--- a/코딩 해본 사람이 빠르게 보는 기초 js.pptx
+++ b/코딩 해본 사람이 빠르게 보는 기초 js.pptx
@@ -8041,12 +8041,145 @@
           </a:p>
         </p:txBody>
       </p:sp>
+      <p:sp>
+        <p:nvSpPr>
+          <p:cNvPr id="5" name="TextBox 4">
+            <a:extLst>
+              <a:ext uri="{FF2B5EF4-FFF2-40B4-BE49-F238E27FC236}">
+                <a16:creationId xmlns:a16="http://schemas.microsoft.com/office/drawing/2014/main" id="{929194D5-DAD0-4C63-A0F2-48A5AA1AE70A}"/>
+              </a:ext>
+            </a:extLst>
+          </p:cNvPr>
+          <p:cNvSpPr txBox="1"/>
+          <p:nvPr/>
+        </p:nvSpPr>
+        <p:spPr>
+          <a:xfrm>
+            <a:off x="5130592" y="3580487"/>
+            <a:ext cx="5358115" cy="954107"/>
+          </a:xfrm>
+          <a:prstGeom prst="rect">
+            <a:avLst/>
+          </a:prstGeom>
+          <a:noFill/>
+        </p:spPr>
+        <p:txBody>
+          <a:bodyPr wrap="square" rtlCol="0">
+            <a:spAutoFit/>
+          </a:bodyPr>
+          <a:lstStyle/>
+          <a:p>
+            <a:r>
+              <a:rPr lang="en-US" altLang="ko-KR" sz="2800">
+                <a:latin typeface="D2Coding" panose="020B0609020101020101" pitchFamily="49" charset="-127"/>
+                <a:ea typeface="D2Coding" panose="020B0609020101020101" pitchFamily="49" charset="-127"/>
+              </a:rPr>
+              <a:t>string	</a:t>
+            </a:r>
+            <a:r>
+              <a:rPr lang="ko-KR" altLang="en-US" sz="2800">
+                <a:latin typeface="D2Coding" panose="020B0609020101020101" pitchFamily="49" charset="-127"/>
+                <a:ea typeface="D2Coding" panose="020B0609020101020101" pitchFamily="49" charset="-127"/>
+              </a:rPr>
+              <a:t>문자열의 길이</a:t>
+            </a:r>
+            <a:endParaRPr lang="en-US" altLang="ko-KR" sz="2800">
+              <a:latin typeface="D2Coding" panose="020B0609020101020101" pitchFamily="49" charset="-127"/>
+              <a:ea typeface="D2Coding" panose="020B0609020101020101" pitchFamily="49" charset="-127"/>
+            </a:endParaRPr>
+          </a:p>
+          <a:p>
+            <a:r>
+              <a:rPr lang="en-US" altLang="ko-KR" sz="2800">
+                <a:latin typeface="D2Coding" panose="020B0609020101020101" pitchFamily="49" charset="-127"/>
+                <a:ea typeface="D2Coding" panose="020B0609020101020101" pitchFamily="49" charset="-127"/>
+              </a:rPr>
+              <a:t>array		</a:t>
+            </a:r>
+            <a:r>
+              <a:rPr lang="ko-KR" altLang="en-US" sz="2800">
+                <a:latin typeface="D2Coding" panose="020B0609020101020101" pitchFamily="49" charset="-127"/>
+                <a:ea typeface="D2Coding" panose="020B0609020101020101" pitchFamily="49" charset="-127"/>
+              </a:rPr>
+              <a:t>배열의 길이</a:t>
+            </a:r>
+          </a:p>
+        </p:txBody>
+      </p:sp>
+      <p:sp>
+        <p:nvSpPr>
+          <p:cNvPr id="3" name="TextBox 2">
+            <a:extLst>
+              <a:ext uri="{FF2B5EF4-FFF2-40B4-BE49-F238E27FC236}">
+                <a16:creationId xmlns:a16="http://schemas.microsoft.com/office/drawing/2014/main" id="{A5EDB5D3-D6C5-4EC5-9319-3C237C38B3FB}"/>
+              </a:ext>
+            </a:extLst>
+          </p:cNvPr>
+          <p:cNvSpPr txBox="1"/>
+          <p:nvPr/>
+        </p:nvSpPr>
+        <p:spPr>
+          <a:xfrm>
+            <a:off x="838200" y="5307106"/>
+            <a:ext cx="3531736" cy="369332"/>
+          </a:xfrm>
+          <a:prstGeom prst="rect">
+            <a:avLst/>
+          </a:prstGeom>
+          <a:noFill/>
+        </p:spPr>
+        <p:txBody>
+          <a:bodyPr wrap="none" rtlCol="0">
+            <a:spAutoFit/>
+          </a:bodyPr>
+          <a:lstStyle/>
+          <a:p>
+            <a:r>
+              <a:rPr lang="en-US" altLang="ko-KR">
+                <a:solidFill>
+                  <a:srgbClr val="FF0000"/>
+                </a:solidFill>
+                <a:latin typeface="D2Coding" panose="020B0609020101020101" pitchFamily="49" charset="-127"/>
+                <a:ea typeface="D2Coding" panose="020B0609020101020101" pitchFamily="49" charset="-127"/>
+              </a:rPr>
+              <a:t>a.length()</a:t>
+            </a:r>
+            <a:r>
+              <a:rPr lang="ko-KR" altLang="en-US">
+                <a:solidFill>
+                  <a:srgbClr val="FF0000"/>
+                </a:solidFill>
+                <a:latin typeface="D2Coding" panose="020B0609020101020101" pitchFamily="49" charset="-127"/>
+                <a:ea typeface="D2Coding" panose="020B0609020101020101" pitchFamily="49" charset="-127"/>
+              </a:rPr>
+              <a:t> 가 아니라 </a:t>
+            </a:r>
+            <a:r>
+              <a:rPr lang="en-US" altLang="ko-KR">
+                <a:solidFill>
+                  <a:srgbClr val="FF0000"/>
+                </a:solidFill>
+                <a:latin typeface="D2Coding" panose="020B0609020101020101" pitchFamily="49" charset="-127"/>
+                <a:ea typeface="D2Coding" panose="020B0609020101020101" pitchFamily="49" charset="-127"/>
+              </a:rPr>
+              <a:t>a.length</a:t>
+            </a:r>
+            <a:endParaRPr lang="ko-KR" altLang="en-US">
+              <a:solidFill>
+                <a:srgbClr val="FF0000"/>
+              </a:solidFill>
+              <a:latin typeface="D2Coding" panose="020B0609020101020101" pitchFamily="49" charset="-127"/>
+              <a:ea typeface="D2Coding" panose="020B0609020101020101" pitchFamily="49" charset="-127"/>
+            </a:endParaRPr>
+          </a:p>
+        </p:txBody>
+      </p:sp>
       <p:pic>
         <p:nvPicPr>
-          <p:cNvPr id="4" name="그림 3">
-            <a:extLst>
-              <a:ext uri="{FF2B5EF4-FFF2-40B4-BE49-F238E27FC236}">
-                <a16:creationId xmlns:a16="http://schemas.microsoft.com/office/drawing/2014/main" id="{BACC7F91-445C-4A0D-A3D7-7066BBB3A82A}"/>
+          <p:cNvPr id="7" name="그림 6">
+            <a:extLst>
+              <a:ext uri="{FF2B5EF4-FFF2-40B4-BE49-F238E27FC236}">
+                <a16:creationId xmlns:a16="http://schemas.microsoft.com/office/drawing/2014/main" id="{6F50FA26-F030-4534-9B3B-86A68616E8FE}"/>
               </a:ext>
             </a:extLst>
           </p:cNvPr>
@@ -8063,85 +8196,20 @@
         </p:blipFill>
         <p:spPr>
           <a:xfrm>
-            <a:off x="838200" y="2610275"/>
-            <a:ext cx="4124901" cy="1924319"/>
+            <a:off x="9807076" y="3621741"/>
+            <a:ext cx="369668" cy="912853"/>
           </a:xfrm>
           <a:prstGeom prst="rect">
             <a:avLst/>
           </a:prstGeom>
         </p:spPr>
       </p:pic>
-      <p:sp>
-        <p:nvSpPr>
-          <p:cNvPr id="5" name="TextBox 4">
-            <a:extLst>
-              <a:ext uri="{FF2B5EF4-FFF2-40B4-BE49-F238E27FC236}">
-                <a16:creationId xmlns:a16="http://schemas.microsoft.com/office/drawing/2014/main" id="{929194D5-DAD0-4C63-A0F2-48A5AA1AE70A}"/>
-              </a:ext>
-            </a:extLst>
-          </p:cNvPr>
-          <p:cNvSpPr txBox="1"/>
-          <p:nvPr/>
-        </p:nvSpPr>
-        <p:spPr>
-          <a:xfrm>
-            <a:off x="5130592" y="3580487"/>
-            <a:ext cx="5358115" cy="954107"/>
-          </a:xfrm>
-          <a:prstGeom prst="rect">
-            <a:avLst/>
-          </a:prstGeom>
-          <a:noFill/>
-        </p:spPr>
-        <p:txBody>
-          <a:bodyPr wrap="square" rtlCol="0">
-            <a:spAutoFit/>
-          </a:bodyPr>
-          <a:lstStyle/>
-          <a:p>
-            <a:r>
-              <a:rPr lang="en-US" altLang="ko-KR" sz="2800">
-                <a:latin typeface="D2Coding" panose="020B0609020101020101" pitchFamily="49" charset="-127"/>
-                <a:ea typeface="D2Coding" panose="020B0609020101020101" pitchFamily="49" charset="-127"/>
-              </a:rPr>
-              <a:t>string	</a:t>
-            </a:r>
-            <a:r>
-              <a:rPr lang="ko-KR" altLang="en-US" sz="2800">
-                <a:latin typeface="D2Coding" panose="020B0609020101020101" pitchFamily="49" charset="-127"/>
-                <a:ea typeface="D2Coding" panose="020B0609020101020101" pitchFamily="49" charset="-127"/>
-              </a:rPr>
-              <a:t>문자열의 길이</a:t>
-            </a:r>
-            <a:endParaRPr lang="en-US" altLang="ko-KR" sz="2800">
-              <a:latin typeface="D2Coding" panose="020B0609020101020101" pitchFamily="49" charset="-127"/>
-              <a:ea typeface="D2Coding" panose="020B0609020101020101" pitchFamily="49" charset="-127"/>
-            </a:endParaRPr>
-          </a:p>
-          <a:p>
-            <a:r>
-              <a:rPr lang="en-US" altLang="ko-KR" sz="2800">
-                <a:latin typeface="D2Coding" panose="020B0609020101020101" pitchFamily="49" charset="-127"/>
-                <a:ea typeface="D2Coding" panose="020B0609020101020101" pitchFamily="49" charset="-127"/>
-              </a:rPr>
-              <a:t>array		</a:t>
-            </a:r>
-            <a:r>
-              <a:rPr lang="ko-KR" altLang="en-US" sz="2800">
-                <a:latin typeface="D2Coding" panose="020B0609020101020101" pitchFamily="49" charset="-127"/>
-                <a:ea typeface="D2Coding" panose="020B0609020101020101" pitchFamily="49" charset="-127"/>
-              </a:rPr>
-              <a:t>배열의 길이</a:t>
-            </a:r>
-          </a:p>
-        </p:txBody>
-      </p:sp>
       <p:pic>
         <p:nvPicPr>
-          <p:cNvPr id="6" name="그림 5">
-            <a:extLst>
-              <a:ext uri="{FF2B5EF4-FFF2-40B4-BE49-F238E27FC236}">
-                <a16:creationId xmlns:a16="http://schemas.microsoft.com/office/drawing/2014/main" id="{779B1782-F8DE-4366-A9BD-39BFAFE7B184}"/>
+          <p:cNvPr id="8" name="그림 7">
+            <a:extLst>
+              <a:ext uri="{FF2B5EF4-FFF2-40B4-BE49-F238E27FC236}">
+                <a16:creationId xmlns:a16="http://schemas.microsoft.com/office/drawing/2014/main" id="{30AA8AB8-0F4C-48E3-8F47-D4789B667D69}"/>
               </a:ext>
             </a:extLst>
           </p:cNvPr>
@@ -8158,82 +8226,14 @@
         </p:blipFill>
         <p:spPr>
           <a:xfrm>
-            <a:off x="9796426" y="3686751"/>
-            <a:ext cx="523948" cy="847843"/>
+            <a:off x="859611" y="2626503"/>
+            <a:ext cx="4159371" cy="1907968"/>
           </a:xfrm>
           <a:prstGeom prst="rect">
             <a:avLst/>
           </a:prstGeom>
         </p:spPr>
       </p:pic>
-      <p:sp>
-        <p:nvSpPr>
-          <p:cNvPr id="3" name="TextBox 2">
-            <a:extLst>
-              <a:ext uri="{FF2B5EF4-FFF2-40B4-BE49-F238E27FC236}">
-                <a16:creationId xmlns:a16="http://schemas.microsoft.com/office/drawing/2014/main" id="{A5EDB5D3-D6C5-4EC5-9319-3C237C38B3FB}"/>
-              </a:ext>
-            </a:extLst>
-          </p:cNvPr>
-          <p:cNvSpPr txBox="1"/>
-          <p:nvPr/>
-        </p:nvSpPr>
-        <p:spPr>
-          <a:xfrm>
-            <a:off x="838200" y="5307106"/>
-            <a:ext cx="3531736" cy="369332"/>
-          </a:xfrm>
-          <a:prstGeom prst="rect">
-            <a:avLst/>
-          </a:prstGeom>
-          <a:noFill/>
-        </p:spPr>
-        <p:txBody>
-          <a:bodyPr wrap="none" rtlCol="0">
-            <a:spAutoFit/>
-          </a:bodyPr>
-          <a:lstStyle/>
-          <a:p>
-            <a:r>
-              <a:rPr lang="en-US" altLang="ko-KR">
-                <a:solidFill>
-                  <a:srgbClr val="FF0000"/>
-                </a:solidFill>
-                <a:latin typeface="D2Coding" panose="020B0609020101020101" pitchFamily="49" charset="-127"/>
-                <a:ea typeface="D2Coding" panose="020B0609020101020101" pitchFamily="49" charset="-127"/>
-              </a:rPr>
-              <a:t>a.length()</a:t>
-            </a:r>
-            <a:r>
-              <a:rPr lang="ko-KR" altLang="en-US">
-                <a:solidFill>
-                  <a:srgbClr val="FF0000"/>
-                </a:solidFill>
-                <a:latin typeface="D2Coding" panose="020B0609020101020101" pitchFamily="49" charset="-127"/>
-                <a:ea typeface="D2Coding" panose="020B0609020101020101" pitchFamily="49" charset="-127"/>
-              </a:rPr>
-              <a:t> 가 아니라 </a:t>
-            </a:r>
-            <a:r>
-              <a:rPr lang="en-US" altLang="ko-KR">
-                <a:solidFill>
-                  <a:srgbClr val="FF0000"/>
-                </a:solidFill>
-                <a:latin typeface="D2Coding" panose="020B0609020101020101" pitchFamily="49" charset="-127"/>
-                <a:ea typeface="D2Coding" panose="020B0609020101020101" pitchFamily="49" charset="-127"/>
-              </a:rPr>
-              <a:t>a.length</a:t>
-            </a:r>
-            <a:endParaRPr lang="ko-KR" altLang="en-US">
-              <a:solidFill>
-                <a:srgbClr val="FF0000"/>
-              </a:solidFill>
-              <a:latin typeface="D2Coding" panose="020B0609020101020101" pitchFamily="49" charset="-127"/>
-              <a:ea typeface="D2Coding" panose="020B0609020101020101" pitchFamily="49" charset="-127"/>
-            </a:endParaRPr>
-          </a:p>
-        </p:txBody>
-      </p:sp>
     </p:spTree>
     <p:extLst>
       <p:ext uri="{BB962C8B-B14F-4D97-AF65-F5344CB8AC3E}">
@@ -8865,16 +8865,346 @@
           <a:chExt cx="0" cy="0"/>
         </a:xfrm>
       </p:grpSpPr>
+      <p:sp>
+        <p:nvSpPr>
+          <p:cNvPr id="5" name="TextBox 4">
+            <a:extLst>
+              <a:ext uri="{FF2B5EF4-FFF2-40B4-BE49-F238E27FC236}">
+                <a16:creationId xmlns:a16="http://schemas.microsoft.com/office/drawing/2014/main" id="{84A91C19-BB84-455D-B9D6-342EA0449870}"/>
+              </a:ext>
+            </a:extLst>
+          </p:cNvPr>
+          <p:cNvSpPr txBox="1"/>
+          <p:nvPr/>
+        </p:nvSpPr>
+        <p:spPr>
+          <a:xfrm>
+            <a:off x="5220468" y="3073954"/>
+            <a:ext cx="5032147" cy="1754326"/>
+          </a:xfrm>
+          <a:prstGeom prst="rect">
+            <a:avLst/>
+          </a:prstGeom>
+          <a:noFill/>
+        </p:spPr>
+        <p:txBody>
+          <a:bodyPr wrap="none" rtlCol="0">
+            <a:spAutoFit/>
+          </a:bodyPr>
+          <a:lstStyle/>
+          <a:p>
+            <a:endParaRPr lang="en-US" altLang="ko-KR">
+              <a:latin typeface="D2Coding" panose="020B0609020101020101" pitchFamily="49" charset="-127"/>
+              <a:ea typeface="D2Coding" panose="020B0609020101020101" pitchFamily="49" charset="-127"/>
+            </a:endParaRPr>
+          </a:p>
+          <a:p>
+            <a:endParaRPr lang="en-US" altLang="ko-KR">
+              <a:latin typeface="D2Coding" panose="020B0609020101020101" pitchFamily="49" charset="-127"/>
+              <a:ea typeface="D2Coding" panose="020B0609020101020101" pitchFamily="49" charset="-127"/>
+            </a:endParaRPr>
+          </a:p>
+          <a:p>
+            <a:endParaRPr lang="en-US" altLang="ko-KR">
+              <a:latin typeface="D2Coding" panose="020B0609020101020101" pitchFamily="49" charset="-127"/>
+              <a:ea typeface="D2Coding" panose="020B0609020101020101" pitchFamily="49" charset="-127"/>
+            </a:endParaRPr>
+          </a:p>
+          <a:p>
+            <a:r>
+              <a:rPr lang="ko-KR" altLang="en-US">
+                <a:latin typeface="D2Coding" panose="020B0609020101020101" pitchFamily="49" charset="-127"/>
+                <a:ea typeface="D2Coding" panose="020B0609020101020101" pitchFamily="49" charset="-127"/>
+              </a:rPr>
+              <a:t>프로퍼티는 콤마</a:t>
+            </a:r>
+            <a:r>
+              <a:rPr lang="en-US" altLang="ko-KR">
+                <a:latin typeface="D2Coding" panose="020B0609020101020101" pitchFamily="49" charset="-127"/>
+                <a:ea typeface="D2Coding" panose="020B0609020101020101" pitchFamily="49" charset="-127"/>
+              </a:rPr>
+              <a:t>( , ) </a:t>
+            </a:r>
+            <a:r>
+              <a:rPr lang="ko-KR" altLang="en-US">
+                <a:latin typeface="D2Coding" panose="020B0609020101020101" pitchFamily="49" charset="-127"/>
+                <a:ea typeface="D2Coding" panose="020B0609020101020101" pitchFamily="49" charset="-127"/>
+              </a:rPr>
+              <a:t>로 구분</a:t>
+            </a:r>
+            <a:endParaRPr lang="en-US" altLang="ko-KR">
+              <a:latin typeface="D2Coding" panose="020B0609020101020101" pitchFamily="49" charset="-127"/>
+              <a:ea typeface="D2Coding" panose="020B0609020101020101" pitchFamily="49" charset="-127"/>
+            </a:endParaRPr>
+          </a:p>
+          <a:p>
+            <a:endParaRPr lang="en-US" altLang="ko-KR">
+              <a:latin typeface="D2Coding" panose="020B0609020101020101" pitchFamily="49" charset="-127"/>
+              <a:ea typeface="D2Coding" panose="020B0609020101020101" pitchFamily="49" charset="-127"/>
+            </a:endParaRPr>
+          </a:p>
+          <a:p>
+            <a:r>
+              <a:rPr lang="en-US" altLang="ko-KR">
+                <a:solidFill>
+                  <a:srgbClr val="FF0000"/>
+                </a:solidFill>
+                <a:latin typeface="D2Coding" panose="020B0609020101020101" pitchFamily="49" charset="-127"/>
+                <a:ea typeface="D2Coding" panose="020B0609020101020101" pitchFamily="49" charset="-127"/>
+              </a:rPr>
+              <a:t>* </a:t>
+            </a:r>
+            <a:r>
+              <a:rPr lang="ko-KR" altLang="en-US">
+                <a:solidFill>
+                  <a:srgbClr val="FF0000"/>
+                </a:solidFill>
+                <a:latin typeface="D2Coding" panose="020B0609020101020101" pitchFamily="49" charset="-127"/>
+                <a:ea typeface="D2Coding" panose="020B0609020101020101" pitchFamily="49" charset="-127"/>
+              </a:rPr>
+              <a:t>콤마를 빼먹어서 생기는 </a:t>
+            </a:r>
+            <a:r>
+              <a:rPr lang="en-US" altLang="ko-KR">
+                <a:solidFill>
+                  <a:srgbClr val="FF0000"/>
+                </a:solidFill>
+                <a:latin typeface="D2Coding" panose="020B0609020101020101" pitchFamily="49" charset="-127"/>
+                <a:ea typeface="D2Coding" panose="020B0609020101020101" pitchFamily="49" charset="-127"/>
+              </a:rPr>
+              <a:t>undefined </a:t>
+            </a:r>
+            <a:r>
+              <a:rPr lang="ko-KR" altLang="en-US">
+                <a:solidFill>
+                  <a:srgbClr val="FF0000"/>
+                </a:solidFill>
+                <a:latin typeface="D2Coding" panose="020B0609020101020101" pitchFamily="49" charset="-127"/>
+                <a:ea typeface="D2Coding" panose="020B0609020101020101" pitchFamily="49" charset="-127"/>
+              </a:rPr>
+              <a:t>가 많음</a:t>
+            </a:r>
+          </a:p>
+        </p:txBody>
+      </p:sp>
+      <p:sp>
+        <p:nvSpPr>
+          <p:cNvPr id="3" name="직사각형 2">
+            <a:extLst>
+              <a:ext uri="{FF2B5EF4-FFF2-40B4-BE49-F238E27FC236}">
+                <a16:creationId xmlns:a16="http://schemas.microsoft.com/office/drawing/2014/main" id="{E8CAFDF1-F070-48DF-BE75-D87FBD2B411A}"/>
+              </a:ext>
+            </a:extLst>
+          </p:cNvPr>
+          <p:cNvSpPr/>
+          <p:nvPr/>
+        </p:nvSpPr>
+        <p:spPr>
+          <a:xfrm>
+            <a:off x="5186433" y="801987"/>
+            <a:ext cx="6971532" cy="2031325"/>
+          </a:xfrm>
+          <a:prstGeom prst="rect">
+            <a:avLst/>
+          </a:prstGeom>
+        </p:spPr>
+        <p:txBody>
+          <a:bodyPr wrap="square">
+            <a:spAutoFit/>
+          </a:bodyPr>
+          <a:lstStyle/>
+          <a:p>
+            <a:r>
+              <a:rPr lang="ko-KR" altLang="en-US">
+                <a:latin typeface="D2Coding" panose="020B0609020101020101" pitchFamily="49" charset="-127"/>
+                <a:ea typeface="D2Coding" panose="020B0609020101020101" pitchFamily="49" charset="-127"/>
+              </a:rPr>
+              <a:t>키</a:t>
+            </a:r>
+            <a:r>
+              <a:rPr lang="en-US" altLang="ko-KR">
+                <a:latin typeface="D2Coding" panose="020B0609020101020101" pitchFamily="49" charset="-127"/>
+                <a:ea typeface="D2Coding" panose="020B0609020101020101" pitchFamily="49" charset="-127"/>
+              </a:rPr>
+              <a:t>(key)		name, job, age </a:t>
+            </a:r>
+            <a:r>
+              <a:rPr lang="ko-KR" altLang="en-US">
+                <a:latin typeface="D2Coding" panose="020B0609020101020101" pitchFamily="49" charset="-127"/>
+                <a:ea typeface="D2Coding" panose="020B0609020101020101" pitchFamily="49" charset="-127"/>
+              </a:rPr>
+              <a:t>등 앞에 달려있는 이름</a:t>
+            </a:r>
+            <a:endParaRPr lang="en-US" altLang="ko-KR">
+              <a:latin typeface="D2Coding" panose="020B0609020101020101" pitchFamily="49" charset="-127"/>
+              <a:ea typeface="D2Coding" panose="020B0609020101020101" pitchFamily="49" charset="-127"/>
+            </a:endParaRPr>
+          </a:p>
+          <a:p>
+            <a:r>
+              <a:rPr lang="en-US" altLang="ko-KR">
+                <a:latin typeface="D2Coding" panose="020B0609020101020101" pitchFamily="49" charset="-127"/>
+                <a:ea typeface="D2Coding" panose="020B0609020101020101" pitchFamily="49" charset="-127"/>
+              </a:rPr>
+              <a:t>		</a:t>
+            </a:r>
+            <a:r>
+              <a:rPr lang="ko-KR" altLang="en-US">
+                <a:latin typeface="D2Coding" panose="020B0609020101020101" pitchFamily="49" charset="-127"/>
+                <a:ea typeface="D2Coding" panose="020B0609020101020101" pitchFamily="49" charset="-127"/>
+              </a:rPr>
+              <a:t>따옴표 안 씀</a:t>
+            </a:r>
+            <a:r>
+              <a:rPr lang="en-US" altLang="ko-KR">
+                <a:latin typeface="D2Coding" panose="020B0609020101020101" pitchFamily="49" charset="-127"/>
+                <a:ea typeface="D2Coding" panose="020B0609020101020101" pitchFamily="49" charset="-127"/>
+              </a:rPr>
+              <a:t>. </a:t>
+            </a:r>
+            <a:r>
+              <a:rPr lang="ko-KR" altLang="en-US">
+                <a:latin typeface="D2Coding" panose="020B0609020101020101" pitchFamily="49" charset="-127"/>
+                <a:ea typeface="D2Coding" panose="020B0609020101020101" pitchFamily="49" charset="-127"/>
+              </a:rPr>
+              <a:t>영어만 허용</a:t>
+            </a:r>
+            <a:endParaRPr lang="en-US" altLang="ko-KR">
+              <a:latin typeface="D2Coding" panose="020B0609020101020101" pitchFamily="49" charset="-127"/>
+              <a:ea typeface="D2Coding" panose="020B0609020101020101" pitchFamily="49" charset="-127"/>
+            </a:endParaRPr>
+          </a:p>
+          <a:p>
+            <a:endParaRPr lang="en-US" altLang="ko-KR">
+              <a:latin typeface="D2Coding" panose="020B0609020101020101" pitchFamily="49" charset="-127"/>
+              <a:ea typeface="D2Coding" panose="020B0609020101020101" pitchFamily="49" charset="-127"/>
+            </a:endParaRPr>
+          </a:p>
+          <a:p>
+            <a:r>
+              <a:rPr lang="ko-KR" altLang="en-US">
+                <a:latin typeface="D2Coding" panose="020B0609020101020101" pitchFamily="49" charset="-127"/>
+                <a:ea typeface="D2Coding" panose="020B0609020101020101" pitchFamily="49" charset="-127"/>
+              </a:rPr>
+              <a:t>값</a:t>
+            </a:r>
+            <a:r>
+              <a:rPr lang="en-US" altLang="ko-KR">
+                <a:latin typeface="D2Coding" panose="020B0609020101020101" pitchFamily="49" charset="-127"/>
+                <a:ea typeface="D2Coding" panose="020B0609020101020101" pitchFamily="49" charset="-127"/>
+              </a:rPr>
+              <a:t>(value)	"</a:t>
+            </a:r>
+            <a:r>
+              <a:rPr lang="ko-KR" altLang="en-US">
+                <a:latin typeface="D2Coding" panose="020B0609020101020101" pitchFamily="49" charset="-127"/>
+                <a:ea typeface="D2Coding" panose="020B0609020101020101" pitchFamily="49" charset="-127"/>
+              </a:rPr>
+              <a:t>조교행님</a:t>
+            </a:r>
+            <a:r>
+              <a:rPr lang="en-US" altLang="ko-KR">
+                <a:latin typeface="D2Coding" panose="020B0609020101020101" pitchFamily="49" charset="-127"/>
+                <a:ea typeface="D2Coding" panose="020B0609020101020101" pitchFamily="49" charset="-127"/>
+              </a:rPr>
+              <a:t>", "</a:t>
+            </a:r>
+            <a:r>
+              <a:rPr lang="ko-KR" altLang="en-US">
+                <a:latin typeface="D2Coding" panose="020B0609020101020101" pitchFamily="49" charset="-127"/>
+                <a:ea typeface="D2Coding" panose="020B0609020101020101" pitchFamily="49" charset="-127"/>
+              </a:rPr>
+              <a:t>강사</a:t>
+            </a:r>
+            <a:r>
+              <a:rPr lang="en-US" altLang="ko-KR">
+                <a:latin typeface="D2Coding" panose="020B0609020101020101" pitchFamily="49" charset="-127"/>
+                <a:ea typeface="D2Coding" panose="020B0609020101020101" pitchFamily="49" charset="-127"/>
+              </a:rPr>
+              <a:t>", 29 </a:t>
+            </a:r>
+            <a:r>
+              <a:rPr lang="ko-KR" altLang="en-US">
+                <a:latin typeface="D2Coding" panose="020B0609020101020101" pitchFamily="49" charset="-127"/>
+                <a:ea typeface="D2Coding" panose="020B0609020101020101" pitchFamily="49" charset="-127"/>
+              </a:rPr>
+              <a:t>등</a:t>
+            </a:r>
+            <a:r>
+              <a:rPr lang="en-US" altLang="ko-KR">
+                <a:latin typeface="D2Coding" panose="020B0609020101020101" pitchFamily="49" charset="-127"/>
+                <a:ea typeface="D2Coding" panose="020B0609020101020101" pitchFamily="49" charset="-127"/>
+              </a:rPr>
+              <a:t>, </a:t>
+            </a:r>
+            <a:r>
+              <a:rPr lang="ko-KR" altLang="en-US">
+                <a:latin typeface="D2Coding" panose="020B0609020101020101" pitchFamily="49" charset="-127"/>
+                <a:ea typeface="D2Coding" panose="020B0609020101020101" pitchFamily="49" charset="-127"/>
+              </a:rPr>
+              <a:t>뒤에 달려있는 값</a:t>
+            </a:r>
+            <a:endParaRPr lang="en-US" altLang="ko-KR">
+              <a:latin typeface="D2Coding" panose="020B0609020101020101" pitchFamily="49" charset="-127"/>
+              <a:ea typeface="D2Coding" panose="020B0609020101020101" pitchFamily="49" charset="-127"/>
+            </a:endParaRPr>
+          </a:p>
+          <a:p>
+            <a:endParaRPr lang="en-US" altLang="ko-KR">
+              <a:latin typeface="D2Coding" panose="020B0609020101020101" pitchFamily="49" charset="-127"/>
+              <a:ea typeface="D2Coding" panose="020B0609020101020101" pitchFamily="49" charset="-127"/>
+            </a:endParaRPr>
+          </a:p>
+          <a:p>
+            <a:endParaRPr lang="en-US" altLang="ko-KR">
+              <a:latin typeface="D2Coding" panose="020B0609020101020101" pitchFamily="49" charset="-127"/>
+              <a:ea typeface="D2Coding" panose="020B0609020101020101" pitchFamily="49" charset="-127"/>
+            </a:endParaRPr>
+          </a:p>
+          <a:p>
+            <a:r>
+              <a:rPr lang="ko-KR" altLang="en-US">
+                <a:latin typeface="D2Coding" panose="020B0609020101020101" pitchFamily="49" charset="-127"/>
+                <a:ea typeface="D2Coding" panose="020B0609020101020101" pitchFamily="49" charset="-127"/>
+              </a:rPr>
+              <a:t>둘을 합쳐서 프로퍼티</a:t>
+            </a:r>
+            <a:r>
+              <a:rPr lang="en-US" altLang="ko-KR">
+                <a:latin typeface="D2Coding" panose="020B0609020101020101" pitchFamily="49" charset="-127"/>
+                <a:ea typeface="D2Coding" panose="020B0609020101020101" pitchFamily="49" charset="-127"/>
+              </a:rPr>
+              <a:t>(</a:t>
+            </a:r>
+            <a:r>
+              <a:rPr lang="ko-KR" altLang="en-US">
+                <a:latin typeface="D2Coding" panose="020B0609020101020101" pitchFamily="49" charset="-127"/>
+                <a:ea typeface="D2Coding" panose="020B0609020101020101" pitchFamily="49" charset="-127"/>
+              </a:rPr>
+              <a:t>속성</a:t>
+            </a:r>
+            <a:r>
+              <a:rPr lang="en-US" altLang="ko-KR">
+                <a:latin typeface="D2Coding" panose="020B0609020101020101" pitchFamily="49" charset="-127"/>
+                <a:ea typeface="D2Coding" panose="020B0609020101020101" pitchFamily="49" charset="-127"/>
+              </a:rPr>
+              <a:t>, property)</a:t>
+            </a:r>
+          </a:p>
+        </p:txBody>
+      </p:sp>
       <p:pic>
         <p:nvPicPr>
-          <p:cNvPr id="4" name="그림 3">
-            <a:extLst>
-              <a:ext uri="{FF2B5EF4-FFF2-40B4-BE49-F238E27FC236}">
-                <a16:creationId xmlns:a16="http://schemas.microsoft.com/office/drawing/2014/main" id="{6355706D-08DC-4C71-8324-6C0D81CC1ADA}"/>
-              </a:ext>
-            </a:extLst>
-          </p:cNvPr>
-          <p:cNvPicPr/>
+          <p:cNvPr id="6" name="그림 5">
+            <a:extLst>
+              <a:ext uri="{FF2B5EF4-FFF2-40B4-BE49-F238E27FC236}">
+                <a16:creationId xmlns:a16="http://schemas.microsoft.com/office/drawing/2014/main" id="{AA83A870-9EEF-4B6C-9198-14FDC055F0D8}"/>
+              </a:ext>
+            </a:extLst>
+          </p:cNvPr>
+          <p:cNvPicPr>
+            <a:picLocks noChangeAspect="1"/>
+          </p:cNvPicPr>
           <p:nvPr/>
         </p:nvPicPr>
         <p:blipFill>
@@ -8885,314 +9215,14 @@
         </p:blipFill>
         <p:spPr>
           <a:xfrm>
-            <a:off x="702888" y="995903"/>
-            <a:ext cx="3904970" cy="4866193"/>
+            <a:off x="413430" y="320014"/>
+            <a:ext cx="4567414" cy="6217971"/>
           </a:xfrm>
           <a:prstGeom prst="rect">
             <a:avLst/>
           </a:prstGeom>
         </p:spPr>
       </p:pic>
-      <p:sp>
-        <p:nvSpPr>
-          <p:cNvPr id="5" name="TextBox 4">
-            <a:extLst>
-              <a:ext uri="{FF2B5EF4-FFF2-40B4-BE49-F238E27FC236}">
-                <a16:creationId xmlns:a16="http://schemas.microsoft.com/office/drawing/2014/main" id="{84A91C19-BB84-455D-B9D6-342EA0449870}"/>
-              </a:ext>
-            </a:extLst>
-          </p:cNvPr>
-          <p:cNvSpPr txBox="1"/>
-          <p:nvPr/>
-        </p:nvSpPr>
-        <p:spPr>
-          <a:xfrm>
-            <a:off x="4962445" y="1659291"/>
-            <a:ext cx="6763390" cy="3693319"/>
-          </a:xfrm>
-          <a:prstGeom prst="rect">
-            <a:avLst/>
-          </a:prstGeom>
-          <a:noFill/>
-        </p:spPr>
-        <p:txBody>
-          <a:bodyPr wrap="none" rtlCol="0">
-            <a:spAutoFit/>
-          </a:bodyPr>
-          <a:lstStyle/>
-          <a:p>
-            <a:r>
-              <a:rPr lang="ko-KR" altLang="en-US">
-                <a:latin typeface="D2Coding" panose="020B0609020101020101" pitchFamily="49" charset="-127"/>
-                <a:ea typeface="D2Coding" panose="020B0609020101020101" pitchFamily="49" charset="-127"/>
-              </a:rPr>
-              <a:t>키</a:t>
-            </a:r>
-            <a:r>
-              <a:rPr lang="en-US" altLang="ko-KR">
-                <a:latin typeface="D2Coding" panose="020B0609020101020101" pitchFamily="49" charset="-127"/>
-                <a:ea typeface="D2Coding" panose="020B0609020101020101" pitchFamily="49" charset="-127"/>
-              </a:rPr>
-              <a:t>(key)		name, job, age </a:t>
-            </a:r>
-            <a:r>
-              <a:rPr lang="ko-KR" altLang="en-US">
-                <a:latin typeface="D2Coding" panose="020B0609020101020101" pitchFamily="49" charset="-127"/>
-                <a:ea typeface="D2Coding" panose="020B0609020101020101" pitchFamily="49" charset="-127"/>
-              </a:rPr>
-              <a:t>등 앞에 달려있는 이름</a:t>
-            </a:r>
-            <a:endParaRPr lang="en-US" altLang="ko-KR">
-              <a:latin typeface="D2Coding" panose="020B0609020101020101" pitchFamily="49" charset="-127"/>
-              <a:ea typeface="D2Coding" panose="020B0609020101020101" pitchFamily="49" charset="-127"/>
-            </a:endParaRPr>
-          </a:p>
-          <a:p>
-            <a:r>
-              <a:rPr lang="en-US" altLang="ko-KR">
-                <a:latin typeface="D2Coding" panose="020B0609020101020101" pitchFamily="49" charset="-127"/>
-                <a:ea typeface="D2Coding" panose="020B0609020101020101" pitchFamily="49" charset="-127"/>
-              </a:rPr>
-              <a:t>		</a:t>
-            </a:r>
-            <a:r>
-              <a:rPr lang="ko-KR" altLang="en-US">
-                <a:latin typeface="D2Coding" panose="020B0609020101020101" pitchFamily="49" charset="-127"/>
-                <a:ea typeface="D2Coding" panose="020B0609020101020101" pitchFamily="49" charset="-127"/>
-              </a:rPr>
-              <a:t>따옴표 안 씀</a:t>
-            </a:r>
-            <a:r>
-              <a:rPr lang="en-US" altLang="ko-KR">
-                <a:latin typeface="D2Coding" panose="020B0609020101020101" pitchFamily="49" charset="-127"/>
-                <a:ea typeface="D2Coding" panose="020B0609020101020101" pitchFamily="49" charset="-127"/>
-              </a:rPr>
-              <a:t>. </a:t>
-            </a:r>
-            <a:r>
-              <a:rPr lang="ko-KR" altLang="en-US">
-                <a:latin typeface="D2Coding" panose="020B0609020101020101" pitchFamily="49" charset="-127"/>
-                <a:ea typeface="D2Coding" panose="020B0609020101020101" pitchFamily="49" charset="-127"/>
-              </a:rPr>
-              <a:t>영어만 허용</a:t>
-            </a:r>
-            <a:endParaRPr lang="en-US" altLang="ko-KR">
-              <a:latin typeface="D2Coding" panose="020B0609020101020101" pitchFamily="49" charset="-127"/>
-              <a:ea typeface="D2Coding" panose="020B0609020101020101" pitchFamily="49" charset="-127"/>
-            </a:endParaRPr>
-          </a:p>
-          <a:p>
-            <a:endParaRPr lang="en-US" altLang="ko-KR">
-              <a:latin typeface="D2Coding" panose="020B0609020101020101" pitchFamily="49" charset="-127"/>
-              <a:ea typeface="D2Coding" panose="020B0609020101020101" pitchFamily="49" charset="-127"/>
-            </a:endParaRPr>
-          </a:p>
-          <a:p>
-            <a:r>
-              <a:rPr lang="ko-KR" altLang="en-US">
-                <a:latin typeface="D2Coding" panose="020B0609020101020101" pitchFamily="49" charset="-127"/>
-                <a:ea typeface="D2Coding" panose="020B0609020101020101" pitchFamily="49" charset="-127"/>
-              </a:rPr>
-              <a:t>값</a:t>
-            </a:r>
-            <a:r>
-              <a:rPr lang="en-US" altLang="ko-KR">
-                <a:latin typeface="D2Coding" panose="020B0609020101020101" pitchFamily="49" charset="-127"/>
-                <a:ea typeface="D2Coding" panose="020B0609020101020101" pitchFamily="49" charset="-127"/>
-              </a:rPr>
-              <a:t>(value)	"</a:t>
-            </a:r>
-            <a:r>
-              <a:rPr lang="ko-KR" altLang="en-US">
-                <a:latin typeface="D2Coding" panose="020B0609020101020101" pitchFamily="49" charset="-127"/>
-                <a:ea typeface="D2Coding" panose="020B0609020101020101" pitchFamily="49" charset="-127"/>
-              </a:rPr>
-              <a:t>이자룡</a:t>
-            </a:r>
-            <a:r>
-              <a:rPr lang="en-US" altLang="ko-KR">
-                <a:latin typeface="D2Coding" panose="020B0609020101020101" pitchFamily="49" charset="-127"/>
-                <a:ea typeface="D2Coding" panose="020B0609020101020101" pitchFamily="49" charset="-127"/>
-              </a:rPr>
-              <a:t>", "</a:t>
-            </a:r>
-            <a:r>
-              <a:rPr lang="ko-KR" altLang="en-US">
-                <a:latin typeface="D2Coding" panose="020B0609020101020101" pitchFamily="49" charset="-127"/>
-                <a:ea typeface="D2Coding" panose="020B0609020101020101" pitchFamily="49" charset="-127"/>
-              </a:rPr>
-              <a:t>강사</a:t>
-            </a:r>
-            <a:r>
-              <a:rPr lang="en-US" altLang="ko-KR">
-                <a:latin typeface="D2Coding" panose="020B0609020101020101" pitchFamily="49" charset="-127"/>
-                <a:ea typeface="D2Coding" panose="020B0609020101020101" pitchFamily="49" charset="-127"/>
-              </a:rPr>
-              <a:t>", 29 </a:t>
-            </a:r>
-            <a:r>
-              <a:rPr lang="ko-KR" altLang="en-US">
-                <a:latin typeface="D2Coding" panose="020B0609020101020101" pitchFamily="49" charset="-127"/>
-                <a:ea typeface="D2Coding" panose="020B0609020101020101" pitchFamily="49" charset="-127"/>
-              </a:rPr>
-              <a:t>등</a:t>
-            </a:r>
-            <a:r>
-              <a:rPr lang="en-US" altLang="ko-KR">
-                <a:latin typeface="D2Coding" panose="020B0609020101020101" pitchFamily="49" charset="-127"/>
-                <a:ea typeface="D2Coding" panose="020B0609020101020101" pitchFamily="49" charset="-127"/>
-              </a:rPr>
-              <a:t>, </a:t>
-            </a:r>
-            <a:r>
-              <a:rPr lang="ko-KR" altLang="en-US">
-                <a:latin typeface="D2Coding" panose="020B0609020101020101" pitchFamily="49" charset="-127"/>
-                <a:ea typeface="D2Coding" panose="020B0609020101020101" pitchFamily="49" charset="-127"/>
-              </a:rPr>
-              <a:t>뒤에 달려있는 값</a:t>
-            </a:r>
-            <a:endParaRPr lang="en-US" altLang="ko-KR">
-              <a:latin typeface="D2Coding" panose="020B0609020101020101" pitchFamily="49" charset="-127"/>
-              <a:ea typeface="D2Coding" panose="020B0609020101020101" pitchFamily="49" charset="-127"/>
-            </a:endParaRPr>
-          </a:p>
-          <a:p>
-            <a:endParaRPr lang="en-US" altLang="ko-KR">
-              <a:latin typeface="D2Coding" panose="020B0609020101020101" pitchFamily="49" charset="-127"/>
-              <a:ea typeface="D2Coding" panose="020B0609020101020101" pitchFamily="49" charset="-127"/>
-            </a:endParaRPr>
-          </a:p>
-          <a:p>
-            <a:endParaRPr lang="en-US" altLang="ko-KR">
-              <a:latin typeface="D2Coding" panose="020B0609020101020101" pitchFamily="49" charset="-127"/>
-              <a:ea typeface="D2Coding" panose="020B0609020101020101" pitchFamily="49" charset="-127"/>
-            </a:endParaRPr>
-          </a:p>
-          <a:p>
-            <a:r>
-              <a:rPr lang="ko-KR" altLang="en-US">
-                <a:latin typeface="D2Coding" panose="020B0609020101020101" pitchFamily="49" charset="-127"/>
-                <a:ea typeface="D2Coding" panose="020B0609020101020101" pitchFamily="49" charset="-127"/>
-              </a:rPr>
-              <a:t>둘을 합쳐서 프로퍼티</a:t>
-            </a:r>
-            <a:r>
-              <a:rPr lang="en-US" altLang="ko-KR">
-                <a:latin typeface="D2Coding" panose="020B0609020101020101" pitchFamily="49" charset="-127"/>
-                <a:ea typeface="D2Coding" panose="020B0609020101020101" pitchFamily="49" charset="-127"/>
-              </a:rPr>
-              <a:t>(</a:t>
-            </a:r>
-            <a:r>
-              <a:rPr lang="ko-KR" altLang="en-US">
-                <a:latin typeface="D2Coding" panose="020B0609020101020101" pitchFamily="49" charset="-127"/>
-                <a:ea typeface="D2Coding" panose="020B0609020101020101" pitchFamily="49" charset="-127"/>
-              </a:rPr>
-              <a:t>속성</a:t>
-            </a:r>
-            <a:r>
-              <a:rPr lang="en-US" altLang="ko-KR">
-                <a:latin typeface="D2Coding" panose="020B0609020101020101" pitchFamily="49" charset="-127"/>
-                <a:ea typeface="D2Coding" panose="020B0609020101020101" pitchFamily="49" charset="-127"/>
-              </a:rPr>
-              <a:t>, property)</a:t>
-            </a:r>
-          </a:p>
-          <a:p>
-            <a:endParaRPr lang="en-US" altLang="ko-KR">
-              <a:latin typeface="D2Coding" panose="020B0609020101020101" pitchFamily="49" charset="-127"/>
-              <a:ea typeface="D2Coding" panose="020B0609020101020101" pitchFamily="49" charset="-127"/>
-            </a:endParaRPr>
-          </a:p>
-          <a:p>
-            <a:endParaRPr lang="en-US" altLang="ko-KR">
-              <a:latin typeface="D2Coding" panose="020B0609020101020101" pitchFamily="49" charset="-127"/>
-              <a:ea typeface="D2Coding" panose="020B0609020101020101" pitchFamily="49" charset="-127"/>
-            </a:endParaRPr>
-          </a:p>
-          <a:p>
-            <a:endParaRPr lang="en-US" altLang="ko-KR">
-              <a:latin typeface="D2Coding" panose="020B0609020101020101" pitchFamily="49" charset="-127"/>
-              <a:ea typeface="D2Coding" panose="020B0609020101020101" pitchFamily="49" charset="-127"/>
-            </a:endParaRPr>
-          </a:p>
-          <a:p>
-            <a:r>
-              <a:rPr lang="ko-KR" altLang="en-US">
-                <a:latin typeface="D2Coding" panose="020B0609020101020101" pitchFamily="49" charset="-127"/>
-                <a:ea typeface="D2Coding" panose="020B0609020101020101" pitchFamily="49" charset="-127"/>
-              </a:rPr>
-              <a:t>프로퍼티는 콤마</a:t>
-            </a:r>
-            <a:r>
-              <a:rPr lang="en-US" altLang="ko-KR">
-                <a:latin typeface="D2Coding" panose="020B0609020101020101" pitchFamily="49" charset="-127"/>
-                <a:ea typeface="D2Coding" panose="020B0609020101020101" pitchFamily="49" charset="-127"/>
-              </a:rPr>
-              <a:t>( , ) </a:t>
-            </a:r>
-            <a:r>
-              <a:rPr lang="ko-KR" altLang="en-US">
-                <a:latin typeface="D2Coding" panose="020B0609020101020101" pitchFamily="49" charset="-127"/>
-                <a:ea typeface="D2Coding" panose="020B0609020101020101" pitchFamily="49" charset="-127"/>
-              </a:rPr>
-              <a:t>로 구분</a:t>
-            </a:r>
-            <a:endParaRPr lang="en-US" altLang="ko-KR">
-              <a:latin typeface="D2Coding" panose="020B0609020101020101" pitchFamily="49" charset="-127"/>
-              <a:ea typeface="D2Coding" panose="020B0609020101020101" pitchFamily="49" charset="-127"/>
-            </a:endParaRPr>
-          </a:p>
-          <a:p>
-            <a:endParaRPr lang="en-US" altLang="ko-KR">
-              <a:latin typeface="D2Coding" panose="020B0609020101020101" pitchFamily="49" charset="-127"/>
-              <a:ea typeface="D2Coding" panose="020B0609020101020101" pitchFamily="49" charset="-127"/>
-            </a:endParaRPr>
-          </a:p>
-          <a:p>
-            <a:r>
-              <a:rPr lang="en-US" altLang="ko-KR">
-                <a:solidFill>
-                  <a:srgbClr val="FF0000"/>
-                </a:solidFill>
-                <a:latin typeface="D2Coding" panose="020B0609020101020101" pitchFamily="49" charset="-127"/>
-                <a:ea typeface="D2Coding" panose="020B0609020101020101" pitchFamily="49" charset="-127"/>
-              </a:rPr>
-              <a:t>* </a:t>
-            </a:r>
-            <a:r>
-              <a:rPr lang="ko-KR" altLang="en-US">
-                <a:solidFill>
-                  <a:srgbClr val="FF0000"/>
-                </a:solidFill>
-                <a:latin typeface="D2Coding" panose="020B0609020101020101" pitchFamily="49" charset="-127"/>
-                <a:ea typeface="D2Coding" panose="020B0609020101020101" pitchFamily="49" charset="-127"/>
-              </a:rPr>
-              <a:t>콤마를 빼먹어서 생기는 </a:t>
-            </a:r>
-            <a:r>
-              <a:rPr lang="en-US" altLang="ko-KR">
-                <a:solidFill>
-                  <a:srgbClr val="FF0000"/>
-                </a:solidFill>
-                <a:latin typeface="D2Coding" panose="020B0609020101020101" pitchFamily="49" charset="-127"/>
-                <a:ea typeface="D2Coding" panose="020B0609020101020101" pitchFamily="49" charset="-127"/>
-              </a:rPr>
-              <a:t>undefined </a:t>
-            </a:r>
-            <a:r>
-              <a:rPr lang="ko-KR" altLang="en-US">
-                <a:solidFill>
-                  <a:srgbClr val="FF0000"/>
-                </a:solidFill>
-                <a:latin typeface="D2Coding" panose="020B0609020101020101" pitchFamily="49" charset="-127"/>
-                <a:ea typeface="D2Coding" panose="020B0609020101020101" pitchFamily="49" charset="-127"/>
-              </a:rPr>
-              <a:t>가 많음</a:t>
-            </a:r>
-          </a:p>
-        </p:txBody>
-      </p:sp>
     </p:spTree>
     <p:extLst>
       <p:ext uri="{BB962C8B-B14F-4D97-AF65-F5344CB8AC3E}">
@@ -9254,16 +9284,160 @@
           </a:p>
         </p:txBody>
       </p:sp>
+      <p:sp>
+        <p:nvSpPr>
+          <p:cNvPr id="5" name="TextBox 4">
+            <a:extLst>
+              <a:ext uri="{FF2B5EF4-FFF2-40B4-BE49-F238E27FC236}">
+                <a16:creationId xmlns:a16="http://schemas.microsoft.com/office/drawing/2014/main" id="{D2BF69F1-C5ED-4A0F-9412-E5C303BE5485}"/>
+              </a:ext>
+            </a:extLst>
+          </p:cNvPr>
+          <p:cNvSpPr txBox="1"/>
+          <p:nvPr/>
+        </p:nvSpPr>
+        <p:spPr>
+          <a:xfrm>
+            <a:off x="5051579" y="4343011"/>
+            <a:ext cx="6647974" cy="646331"/>
+          </a:xfrm>
+          <a:prstGeom prst="rect">
+            <a:avLst/>
+          </a:prstGeom>
+          <a:noFill/>
+        </p:spPr>
+        <p:txBody>
+          <a:bodyPr wrap="none" rtlCol="0">
+            <a:spAutoFit/>
+          </a:bodyPr>
+          <a:lstStyle/>
+          <a:p>
+            <a:r>
+              <a:rPr lang="ko-KR" altLang="en-US">
+                <a:latin typeface="D2Coding" panose="020B0609020101020101" pitchFamily="49" charset="-127"/>
+                <a:ea typeface="D2Coding" panose="020B0609020101020101" pitchFamily="49" charset="-127"/>
+              </a:rPr>
+              <a:t>객체 다음에 쩜 </a:t>
+            </a:r>
+            <a:r>
+              <a:rPr lang="en-US" altLang="ko-KR">
+                <a:latin typeface="D2Coding" panose="020B0609020101020101" pitchFamily="49" charset="-127"/>
+                <a:ea typeface="D2Coding" panose="020B0609020101020101" pitchFamily="49" charset="-127"/>
+              </a:rPr>
+              <a:t>. </a:t>
+            </a:r>
+            <a:r>
+              <a:rPr lang="ko-KR" altLang="en-US">
+                <a:latin typeface="D2Coding" panose="020B0609020101020101" pitchFamily="49" charset="-127"/>
+                <a:ea typeface="D2Coding" panose="020B0609020101020101" pitchFamily="49" charset="-127"/>
+              </a:rPr>
+              <a:t>을 찍어 접근</a:t>
+            </a:r>
+            <a:endParaRPr lang="en-US" altLang="ko-KR">
+              <a:latin typeface="D2Coding" panose="020B0609020101020101" pitchFamily="49" charset="-127"/>
+              <a:ea typeface="D2Coding" panose="020B0609020101020101" pitchFamily="49" charset="-127"/>
+            </a:endParaRPr>
+          </a:p>
+          <a:p>
+            <a:r>
+              <a:rPr lang="ko-KR" altLang="en-US">
+                <a:latin typeface="D2Coding" panose="020B0609020101020101" pitchFamily="49" charset="-127"/>
+                <a:ea typeface="D2Coding" panose="020B0609020101020101" pitchFamily="49" charset="-127"/>
+              </a:rPr>
+              <a:t>객체 </a:t>
+            </a:r>
+            <a:r>
+              <a:rPr lang="en-US" altLang="ko-KR">
+                <a:latin typeface="D2Coding" panose="020B0609020101020101" pitchFamily="49" charset="-127"/>
+                <a:ea typeface="D2Coding" panose="020B0609020101020101" pitchFamily="49" charset="-127"/>
+              </a:rPr>
+              <a:t>"</a:t>
+            </a:r>
+            <a:r>
+              <a:rPr lang="ko-KR" altLang="en-US">
+                <a:latin typeface="D2Coding" panose="020B0609020101020101" pitchFamily="49" charset="-127"/>
+                <a:ea typeface="D2Coding" panose="020B0609020101020101" pitchFamily="49" charset="-127"/>
+              </a:rPr>
+              <a:t>안에</a:t>
+            </a:r>
+            <a:r>
+              <a:rPr lang="en-US" altLang="ko-KR">
+                <a:latin typeface="D2Coding" panose="020B0609020101020101" pitchFamily="49" charset="-127"/>
+                <a:ea typeface="D2Coding" panose="020B0609020101020101" pitchFamily="49" charset="-127"/>
+              </a:rPr>
+              <a:t>" </a:t>
+            </a:r>
+            <a:r>
+              <a:rPr lang="ko-KR" altLang="en-US">
+                <a:latin typeface="D2Coding" panose="020B0609020101020101" pitchFamily="49" charset="-127"/>
+                <a:ea typeface="D2Coding" panose="020B0609020101020101" pitchFamily="49" charset="-127"/>
+              </a:rPr>
+              <a:t>배열의 엘리먼트에 접근 시 당연히 인덱스 접근</a:t>
+            </a:r>
+          </a:p>
+        </p:txBody>
+      </p:sp>
+      <p:sp>
+        <p:nvSpPr>
+          <p:cNvPr id="7" name="TextBox 6">
+            <a:extLst>
+              <a:ext uri="{FF2B5EF4-FFF2-40B4-BE49-F238E27FC236}">
+                <a16:creationId xmlns:a16="http://schemas.microsoft.com/office/drawing/2014/main" id="{7A6892CA-1225-4D4D-85C2-72BB699B0979}"/>
+              </a:ext>
+            </a:extLst>
+          </p:cNvPr>
+          <p:cNvSpPr txBox="1"/>
+          <p:nvPr/>
+        </p:nvSpPr>
+        <p:spPr>
+          <a:xfrm>
+            <a:off x="5051579" y="6385741"/>
+            <a:ext cx="5840060" cy="369332"/>
+          </a:xfrm>
+          <a:prstGeom prst="rect">
+            <a:avLst/>
+          </a:prstGeom>
+          <a:noFill/>
+        </p:spPr>
+        <p:txBody>
+          <a:bodyPr wrap="none" rtlCol="0">
+            <a:spAutoFit/>
+          </a:bodyPr>
+          <a:lstStyle/>
+          <a:p>
+            <a:r>
+              <a:rPr lang="ko-KR" altLang="en-US">
+                <a:latin typeface="D2Coding" panose="020B0609020101020101" pitchFamily="49" charset="-127"/>
+                <a:ea typeface="D2Coding" panose="020B0609020101020101" pitchFamily="49" charset="-127"/>
+              </a:rPr>
+              <a:t>세번째 인덱스는 정의한 적이 없기 때문에 </a:t>
+            </a:r>
+            <a:r>
+              <a:rPr lang="en-US" altLang="ko-KR">
+                <a:latin typeface="D2Coding" panose="020B0609020101020101" pitchFamily="49" charset="-127"/>
+                <a:ea typeface="D2Coding" panose="020B0609020101020101" pitchFamily="49" charset="-127"/>
+              </a:rPr>
+              <a:t>undefined</a:t>
+            </a:r>
+            <a:endParaRPr lang="ko-KR" altLang="en-US">
+              <a:latin typeface="D2Coding" panose="020B0609020101020101" pitchFamily="49" charset="-127"/>
+              <a:ea typeface="D2Coding" panose="020B0609020101020101" pitchFamily="49" charset="-127"/>
+            </a:endParaRPr>
+          </a:p>
+        </p:txBody>
+      </p:sp>
       <p:pic>
         <p:nvPicPr>
-          <p:cNvPr id="4" name="그림 3">
-            <a:extLst>
-              <a:ext uri="{FF2B5EF4-FFF2-40B4-BE49-F238E27FC236}">
-                <a16:creationId xmlns:a16="http://schemas.microsoft.com/office/drawing/2014/main" id="{BFFCCA97-4B39-4CB9-8299-7314C1ADDB6C}"/>
-              </a:ext>
-            </a:extLst>
-          </p:cNvPr>
-          <p:cNvPicPr/>
+          <p:cNvPr id="3" name="그림 2">
+            <a:extLst>
+              <a:ext uri="{FF2B5EF4-FFF2-40B4-BE49-F238E27FC236}">
+                <a16:creationId xmlns:a16="http://schemas.microsoft.com/office/drawing/2014/main" id="{BBABB9C2-A361-44F7-A920-8C8424CDF667}"/>
+              </a:ext>
+            </a:extLst>
+          </p:cNvPr>
+          <p:cNvPicPr>
+            <a:picLocks noChangeAspect="1"/>
+          </p:cNvPicPr>
           <p:nvPr/>
         </p:nvPicPr>
         <p:blipFill>
@@ -9274,117 +9448,26 @@
         </p:blipFill>
         <p:spPr>
           <a:xfrm>
-            <a:off x="999565" y="1690688"/>
-            <a:ext cx="4020671" cy="4700725"/>
+            <a:off x="937256" y="1580210"/>
+            <a:ext cx="3983443" cy="4668190"/>
           </a:xfrm>
           <a:prstGeom prst="rect">
             <a:avLst/>
           </a:prstGeom>
         </p:spPr>
       </p:pic>
-      <p:sp>
-        <p:nvSpPr>
-          <p:cNvPr id="5" name="TextBox 4">
-            <a:extLst>
-              <a:ext uri="{FF2B5EF4-FFF2-40B4-BE49-F238E27FC236}">
-                <a16:creationId xmlns:a16="http://schemas.microsoft.com/office/drawing/2014/main" id="{D2BF69F1-C5ED-4A0F-9412-E5C303BE5485}"/>
-              </a:ext>
-            </a:extLst>
-          </p:cNvPr>
-          <p:cNvSpPr txBox="1"/>
-          <p:nvPr/>
-        </p:nvSpPr>
-        <p:spPr>
-          <a:xfrm>
-            <a:off x="5414684" y="2097742"/>
-            <a:ext cx="6647974" cy="646331"/>
-          </a:xfrm>
-          <a:prstGeom prst="rect">
-            <a:avLst/>
-          </a:prstGeom>
-          <a:noFill/>
-        </p:spPr>
-        <p:txBody>
-          <a:bodyPr wrap="none" rtlCol="0">
-            <a:spAutoFit/>
-          </a:bodyPr>
-          <a:lstStyle/>
-          <a:p>
-            <a:r>
-              <a:rPr lang="ko-KR" altLang="en-US">
-                <a:latin typeface="D2Coding" panose="020B0609020101020101" pitchFamily="49" charset="-127"/>
-                <a:ea typeface="D2Coding" panose="020B0609020101020101" pitchFamily="49" charset="-127"/>
-              </a:rPr>
-              <a:t>객체 다음에 쩜 </a:t>
-            </a:r>
-            <a:r>
-              <a:rPr lang="en-US" altLang="ko-KR">
-                <a:latin typeface="D2Coding" panose="020B0609020101020101" pitchFamily="49" charset="-127"/>
-                <a:ea typeface="D2Coding" panose="020B0609020101020101" pitchFamily="49" charset="-127"/>
-              </a:rPr>
-              <a:t>. </a:t>
-            </a:r>
-            <a:r>
-              <a:rPr lang="ko-KR" altLang="en-US">
-                <a:latin typeface="D2Coding" panose="020B0609020101020101" pitchFamily="49" charset="-127"/>
-                <a:ea typeface="D2Coding" panose="020B0609020101020101" pitchFamily="49" charset="-127"/>
-              </a:rPr>
-              <a:t>을 찍어 접근</a:t>
-            </a:r>
-            <a:endParaRPr lang="en-US" altLang="ko-KR">
-              <a:latin typeface="D2Coding" panose="020B0609020101020101" pitchFamily="49" charset="-127"/>
-              <a:ea typeface="D2Coding" panose="020B0609020101020101" pitchFamily="49" charset="-127"/>
-            </a:endParaRPr>
-          </a:p>
-          <a:p>
-            <a:r>
-              <a:rPr lang="ko-KR" altLang="en-US">
-                <a:latin typeface="D2Coding" panose="020B0609020101020101" pitchFamily="49" charset="-127"/>
-                <a:ea typeface="D2Coding" panose="020B0609020101020101" pitchFamily="49" charset="-127"/>
-              </a:rPr>
-              <a:t>객체 </a:t>
-            </a:r>
-            <a:r>
-              <a:rPr lang="en-US" altLang="ko-KR">
-                <a:latin typeface="D2Coding" panose="020B0609020101020101" pitchFamily="49" charset="-127"/>
-                <a:ea typeface="D2Coding" panose="020B0609020101020101" pitchFamily="49" charset="-127"/>
-              </a:rPr>
-              <a:t>"</a:t>
-            </a:r>
-            <a:r>
-              <a:rPr lang="ko-KR" altLang="en-US">
-                <a:latin typeface="D2Coding" panose="020B0609020101020101" pitchFamily="49" charset="-127"/>
-                <a:ea typeface="D2Coding" panose="020B0609020101020101" pitchFamily="49" charset="-127"/>
-              </a:rPr>
-              <a:t>안에</a:t>
-            </a:r>
-            <a:r>
-              <a:rPr lang="en-US" altLang="ko-KR">
-                <a:latin typeface="D2Coding" panose="020B0609020101020101" pitchFamily="49" charset="-127"/>
-                <a:ea typeface="D2Coding" panose="020B0609020101020101" pitchFamily="49" charset="-127"/>
-              </a:rPr>
-              <a:t>" </a:t>
-            </a:r>
-            <a:r>
-              <a:rPr lang="ko-KR" altLang="en-US">
-                <a:latin typeface="D2Coding" panose="020B0609020101020101" pitchFamily="49" charset="-127"/>
-                <a:ea typeface="D2Coding" panose="020B0609020101020101" pitchFamily="49" charset="-127"/>
-              </a:rPr>
-              <a:t>배열의 엘리먼트에 접근 시 당연히 인덱스 접근</a:t>
-            </a:r>
-          </a:p>
-        </p:txBody>
-      </p:sp>
       <p:pic>
         <p:nvPicPr>
-          <p:cNvPr id="6" name="그림 5">
-            <a:extLst>
-              <a:ext uri="{FF2B5EF4-FFF2-40B4-BE49-F238E27FC236}">
-                <a16:creationId xmlns:a16="http://schemas.microsoft.com/office/drawing/2014/main" id="{5417BCA0-A47E-4E08-A2F7-74E6FEBD53DD}"/>
-              </a:ext>
-            </a:extLst>
-          </p:cNvPr>
-          <p:cNvPicPr/>
+          <p:cNvPr id="8" name="그림 7">
+            <a:extLst>
+              <a:ext uri="{FF2B5EF4-FFF2-40B4-BE49-F238E27FC236}">
+                <a16:creationId xmlns:a16="http://schemas.microsoft.com/office/drawing/2014/main" id="{48AD2B79-15E5-45D4-9909-79534F024429}"/>
+              </a:ext>
+            </a:extLst>
+          </p:cNvPr>
+          <p:cNvPicPr>
+            <a:picLocks noChangeAspect="1"/>
+          </p:cNvPicPr>
           <p:nvPr/>
         </p:nvPicPr>
         <p:blipFill>
@@ -9395,63 +9478,14 @@
         </p:blipFill>
         <p:spPr>
           <a:xfrm>
-            <a:off x="5414684" y="3151127"/>
-            <a:ext cx="4452825" cy="1726451"/>
+            <a:off x="5143039" y="5135810"/>
+            <a:ext cx="2736937" cy="1103463"/>
           </a:xfrm>
           <a:prstGeom prst="rect">
             <a:avLst/>
           </a:prstGeom>
         </p:spPr>
       </p:pic>
-      <p:sp>
-        <p:nvSpPr>
-          <p:cNvPr id="7" name="TextBox 6">
-            <a:extLst>
-              <a:ext uri="{FF2B5EF4-FFF2-40B4-BE49-F238E27FC236}">
-                <a16:creationId xmlns:a16="http://schemas.microsoft.com/office/drawing/2014/main" id="{7A6892CA-1225-4D4D-85C2-72BB699B0979}"/>
-              </a:ext>
-            </a:extLst>
-          </p:cNvPr>
-          <p:cNvSpPr txBox="1"/>
-          <p:nvPr/>
-        </p:nvSpPr>
-        <p:spPr>
-          <a:xfrm>
-            <a:off x="5414684" y="5284632"/>
-            <a:ext cx="5840060" cy="369332"/>
-          </a:xfrm>
-          <a:prstGeom prst="rect">
-            <a:avLst/>
-          </a:prstGeom>
-          <a:noFill/>
-        </p:spPr>
-        <p:txBody>
-          <a:bodyPr wrap="none" rtlCol="0">
-            <a:spAutoFit/>
-          </a:bodyPr>
-          <a:lstStyle/>
-          <a:p>
-            <a:r>
-              <a:rPr lang="ko-KR" altLang="en-US">
-                <a:latin typeface="D2Coding" panose="020B0609020101020101" pitchFamily="49" charset="-127"/>
-                <a:ea typeface="D2Coding" panose="020B0609020101020101" pitchFamily="49" charset="-127"/>
-              </a:rPr>
-              <a:t>세번째 인덱스는 정의한 적이 없기 때문에 </a:t>
-            </a:r>
-            <a:r>
-              <a:rPr lang="en-US" altLang="ko-KR">
-                <a:latin typeface="D2Coding" panose="020B0609020101020101" pitchFamily="49" charset="-127"/>
-                <a:ea typeface="D2Coding" panose="020B0609020101020101" pitchFamily="49" charset="-127"/>
-              </a:rPr>
-              <a:t>undefined</a:t>
-            </a:r>
-            <a:endParaRPr lang="ko-KR" altLang="en-US">
-              <a:latin typeface="D2Coding" panose="020B0609020101020101" pitchFamily="49" charset="-127"/>
-              <a:ea typeface="D2Coding" panose="020B0609020101020101" pitchFamily="49" charset="-127"/>
-            </a:endParaRPr>
-          </a:p>
-        </p:txBody>
-      </p:sp>
     </p:spTree>
     <p:extLst>
       <p:ext uri="{BB962C8B-B14F-4D97-AF65-F5344CB8AC3E}">
@@ -10449,12 +10483,93 @@
           </a:p>
         </p:txBody>
       </p:sp>
+      <p:sp>
+        <p:nvSpPr>
+          <p:cNvPr id="8" name="TextBox 7">
+            <a:extLst>
+              <a:ext uri="{FF2B5EF4-FFF2-40B4-BE49-F238E27FC236}">
+                <a16:creationId xmlns:a16="http://schemas.microsoft.com/office/drawing/2014/main" id="{0705E0CD-72EE-4997-A42F-592B66BA0BD7}"/>
+              </a:ext>
+            </a:extLst>
+          </p:cNvPr>
+          <p:cNvSpPr txBox="1"/>
+          <p:nvPr/>
+        </p:nvSpPr>
+        <p:spPr>
+          <a:xfrm>
+            <a:off x="8127280" y="5916678"/>
+            <a:ext cx="2839239" cy="369332"/>
+          </a:xfrm>
+          <a:prstGeom prst="rect">
+            <a:avLst/>
+          </a:prstGeom>
+          <a:noFill/>
+        </p:spPr>
+        <p:txBody>
+          <a:bodyPr wrap="none" rtlCol="0">
+            <a:spAutoFit/>
+          </a:bodyPr>
+          <a:lstStyle/>
+          <a:p>
+            <a:r>
+              <a:rPr lang="en-US" altLang="ko-KR">
+                <a:latin typeface="D2Coding" panose="020B0609020101020101" pitchFamily="49" charset="-127"/>
+                <a:ea typeface="D2Coding" panose="020B0609020101020101" pitchFamily="49" charset="-127"/>
+              </a:rPr>
+              <a:t>string </a:t>
+            </a:r>
+            <a:r>
+              <a:rPr lang="ko-KR" altLang="en-US">
+                <a:latin typeface="D2Coding" panose="020B0609020101020101" pitchFamily="49" charset="-127"/>
+                <a:ea typeface="D2Coding" panose="020B0609020101020101" pitchFamily="49" charset="-127"/>
+              </a:rPr>
+              <a:t>으로 자동 형변환</a:t>
+            </a:r>
+          </a:p>
+        </p:txBody>
+      </p:sp>
+      <p:sp>
+        <p:nvSpPr>
+          <p:cNvPr id="9" name="내용 개체 틀 2">
+            <a:extLst>
+              <a:ext uri="{FF2B5EF4-FFF2-40B4-BE49-F238E27FC236}">
+                <a16:creationId xmlns:a16="http://schemas.microsoft.com/office/drawing/2014/main" id="{5B2D4767-3EF7-4CE1-85D2-F06CB2C5B9A1}"/>
+              </a:ext>
+            </a:extLst>
+          </p:cNvPr>
+          <p:cNvSpPr>
+            <a:spLocks noGrp="1"/>
+          </p:cNvSpPr>
+          <p:nvPr>
+            <p:ph idx="1"/>
+          </p:nvPr>
+        </p:nvSpPr>
+        <p:spPr>
+          <a:xfrm>
+            <a:off x="838200" y="1825625"/>
+            <a:ext cx="10515600" cy="541057"/>
+          </a:xfrm>
+        </p:spPr>
+        <p:txBody>
+          <a:bodyPr/>
+          <a:lstStyle/>
+          <a:p>
+            <a:r>
+              <a:rPr lang="ko-KR" altLang="en-US">
+                <a:latin typeface="D2Coding" panose="020B0609020101020101" pitchFamily="49" charset="-127"/>
+                <a:ea typeface="D2Coding" panose="020B0609020101020101" pitchFamily="49" charset="-127"/>
+              </a:rPr>
+              <a:t>두 문자열을 합칠 때 사용</a:t>
+            </a:r>
+          </a:p>
+        </p:txBody>
+      </p:sp>
       <p:pic>
         <p:nvPicPr>
-          <p:cNvPr id="4" name="그림 3">
-            <a:extLst>
-              <a:ext uri="{FF2B5EF4-FFF2-40B4-BE49-F238E27FC236}">
-                <a16:creationId xmlns:a16="http://schemas.microsoft.com/office/drawing/2014/main" id="{78C4D702-1903-44ED-A2D2-A54E72DD29CB}"/>
+          <p:cNvPr id="3" name="그림 2">
+            <a:extLst>
+              <a:ext uri="{FF2B5EF4-FFF2-40B4-BE49-F238E27FC236}">
+                <a16:creationId xmlns:a16="http://schemas.microsoft.com/office/drawing/2014/main" id="{4F3C19B7-FB15-4030-9558-9AAF1D5DD818}"/>
               </a:ext>
             </a:extLst>
           </p:cNvPr>
@@ -10471,8 +10586,8 @@
         </p:blipFill>
         <p:spPr>
           <a:xfrm>
-            <a:off x="1190906" y="2899975"/>
-            <a:ext cx="4001058" cy="1524213"/>
+            <a:off x="1230621" y="2868532"/>
+            <a:ext cx="3921627" cy="1574708"/>
           </a:xfrm>
           <a:prstGeom prst="rect">
             <a:avLst/>
@@ -10481,10 +10596,10 @@
       </p:pic>
       <p:pic>
         <p:nvPicPr>
-          <p:cNvPr id="5" name="그림 4">
-            <a:extLst>
-              <a:ext uri="{FF2B5EF4-FFF2-40B4-BE49-F238E27FC236}">
-                <a16:creationId xmlns:a16="http://schemas.microsoft.com/office/drawing/2014/main" id="{7B79F4B9-307F-4EF5-A478-A96BE30383D2}"/>
+          <p:cNvPr id="10" name="그림 9">
+            <a:extLst>
+              <a:ext uri="{FF2B5EF4-FFF2-40B4-BE49-F238E27FC236}">
+                <a16:creationId xmlns:a16="http://schemas.microsoft.com/office/drawing/2014/main" id="{362A57C5-E071-4DF7-B76B-98D9CF260B45}"/>
               </a:ext>
             </a:extLst>
           </p:cNvPr>
@@ -10501,8 +10616,8 @@
         </p:blipFill>
         <p:spPr>
           <a:xfrm>
-            <a:off x="3191435" y="4857153"/>
-            <a:ext cx="2056394" cy="645612"/>
+            <a:off x="3523246" y="4857153"/>
+            <a:ext cx="1629002" cy="562053"/>
           </a:xfrm>
           <a:prstGeom prst="rect">
             <a:avLst/>
@@ -10511,10 +10626,10 @@
       </p:pic>
       <p:pic>
         <p:nvPicPr>
-          <p:cNvPr id="6" name="그림 5">
-            <a:extLst>
-              <a:ext uri="{FF2B5EF4-FFF2-40B4-BE49-F238E27FC236}">
-                <a16:creationId xmlns:a16="http://schemas.microsoft.com/office/drawing/2014/main" id="{399B68B8-59AD-4B6E-8B80-73E33CC8AB01}"/>
+          <p:cNvPr id="11" name="그림 10">
+            <a:extLst>
+              <a:ext uri="{FF2B5EF4-FFF2-40B4-BE49-F238E27FC236}">
+                <a16:creationId xmlns:a16="http://schemas.microsoft.com/office/drawing/2014/main" id="{9010909E-0FAF-4747-B23A-C49B71ED0E74}"/>
               </a:ext>
             </a:extLst>
           </p:cNvPr>
@@ -10531,8 +10646,8 @@
         </p:blipFill>
         <p:spPr>
           <a:xfrm>
-            <a:off x="7000038" y="2899975"/>
-            <a:ext cx="3762900" cy="1543265"/>
+            <a:off x="6702937" y="2811347"/>
+            <a:ext cx="4060001" cy="1604634"/>
           </a:xfrm>
           <a:prstGeom prst="rect">
             <a:avLst/>
@@ -10541,10 +10656,10 @@
       </p:pic>
       <p:pic>
         <p:nvPicPr>
-          <p:cNvPr id="7" name="그림 6">
-            <a:extLst>
-              <a:ext uri="{FF2B5EF4-FFF2-40B4-BE49-F238E27FC236}">
-                <a16:creationId xmlns:a16="http://schemas.microsoft.com/office/drawing/2014/main" id="{49274B69-FB27-4009-AA09-E1D1798200EB}"/>
+          <p:cNvPr id="12" name="그림 11">
+            <a:extLst>
+              <a:ext uri="{FF2B5EF4-FFF2-40B4-BE49-F238E27FC236}">
+                <a16:creationId xmlns:a16="http://schemas.microsoft.com/office/drawing/2014/main" id="{F864FEC8-B63F-49F9-9885-4EF151F5C64B}"/>
               </a:ext>
             </a:extLst>
           </p:cNvPr>
@@ -10561,95 +10676,14 @@
         </p:blipFill>
         <p:spPr>
           <a:xfrm>
-            <a:off x="9004674" y="4857153"/>
-            <a:ext cx="1758264" cy="645612"/>
+            <a:off x="9216884" y="4869337"/>
+            <a:ext cx="1658425" cy="626028"/>
           </a:xfrm>
           <a:prstGeom prst="rect">
             <a:avLst/>
           </a:prstGeom>
         </p:spPr>
       </p:pic>
-      <p:sp>
-        <p:nvSpPr>
-          <p:cNvPr id="8" name="TextBox 7">
-            <a:extLst>
-              <a:ext uri="{FF2B5EF4-FFF2-40B4-BE49-F238E27FC236}">
-                <a16:creationId xmlns:a16="http://schemas.microsoft.com/office/drawing/2014/main" id="{0705E0CD-72EE-4997-A42F-592B66BA0BD7}"/>
-              </a:ext>
-            </a:extLst>
-          </p:cNvPr>
-          <p:cNvSpPr txBox="1"/>
-          <p:nvPr/>
-        </p:nvSpPr>
-        <p:spPr>
-          <a:xfrm>
-            <a:off x="8127280" y="5916678"/>
-            <a:ext cx="2839239" cy="369332"/>
-          </a:xfrm>
-          <a:prstGeom prst="rect">
-            <a:avLst/>
-          </a:prstGeom>
-          <a:noFill/>
-        </p:spPr>
-        <p:txBody>
-          <a:bodyPr wrap="none" rtlCol="0">
-            <a:spAutoFit/>
-          </a:bodyPr>
-          <a:lstStyle/>
-          <a:p>
-            <a:r>
-              <a:rPr lang="en-US" altLang="ko-KR">
-                <a:latin typeface="D2Coding" panose="020B0609020101020101" pitchFamily="49" charset="-127"/>
-                <a:ea typeface="D2Coding" panose="020B0609020101020101" pitchFamily="49" charset="-127"/>
-              </a:rPr>
-              <a:t>string </a:t>
-            </a:r>
-            <a:r>
-              <a:rPr lang="ko-KR" altLang="en-US">
-                <a:latin typeface="D2Coding" panose="020B0609020101020101" pitchFamily="49" charset="-127"/>
-                <a:ea typeface="D2Coding" panose="020B0609020101020101" pitchFamily="49" charset="-127"/>
-              </a:rPr>
-              <a:t>으로 자동 형변환</a:t>
-            </a:r>
-          </a:p>
-        </p:txBody>
-      </p:sp>
-      <p:sp>
-        <p:nvSpPr>
-          <p:cNvPr id="9" name="내용 개체 틀 2">
-            <a:extLst>
-              <a:ext uri="{FF2B5EF4-FFF2-40B4-BE49-F238E27FC236}">
-                <a16:creationId xmlns:a16="http://schemas.microsoft.com/office/drawing/2014/main" id="{5B2D4767-3EF7-4CE1-85D2-F06CB2C5B9A1}"/>
-              </a:ext>
-            </a:extLst>
-          </p:cNvPr>
-          <p:cNvSpPr>
-            <a:spLocks noGrp="1"/>
-          </p:cNvSpPr>
-          <p:nvPr>
-            <p:ph idx="1"/>
-          </p:nvPr>
-        </p:nvSpPr>
-        <p:spPr>
-          <a:xfrm>
-            <a:off x="838200" y="1825625"/>
-            <a:ext cx="10515600" cy="541057"/>
-          </a:xfrm>
-        </p:spPr>
-        <p:txBody>
-          <a:bodyPr/>
-          <a:lstStyle/>
-          <a:p>
-            <a:r>
-              <a:rPr lang="ko-KR" altLang="en-US">
-                <a:latin typeface="D2Coding" panose="020B0609020101020101" pitchFamily="49" charset="-127"/>
-                <a:ea typeface="D2Coding" panose="020B0609020101020101" pitchFamily="49" charset="-127"/>
-              </a:rPr>
-              <a:t>두 문자열을 합칠 때 사용</a:t>
-            </a:r>
-          </a:p>
-        </p:txBody>
-      </p:sp>
     </p:spTree>
     <p:extLst>
       <p:ext uri="{BB962C8B-B14F-4D97-AF65-F5344CB8AC3E}">
@@ -10756,10 +10790,10 @@
       </p:sp>
       <p:pic>
         <p:nvPicPr>
-          <p:cNvPr id="5" name="그림 4">
-            <a:extLst>
-              <a:ext uri="{FF2B5EF4-FFF2-40B4-BE49-F238E27FC236}">
-                <a16:creationId xmlns:a16="http://schemas.microsoft.com/office/drawing/2014/main" id="{CEBCF883-6BA9-4547-99E3-3E4C0AAFE840}"/>
+          <p:cNvPr id="4" name="그림 3">
+            <a:extLst>
+              <a:ext uri="{FF2B5EF4-FFF2-40B4-BE49-F238E27FC236}">
+                <a16:creationId xmlns:a16="http://schemas.microsoft.com/office/drawing/2014/main" id="{A8BBA198-0CBC-4C57-8A0D-60E21C995770}"/>
               </a:ext>
             </a:extLst>
           </p:cNvPr>
@@ -10776,8 +10810,8 @@
         </p:blipFill>
         <p:spPr>
           <a:xfrm>
-            <a:off x="1092458" y="2816400"/>
-            <a:ext cx="5668166" cy="2838846"/>
+            <a:off x="838200" y="2973130"/>
+            <a:ext cx="5829753" cy="2921719"/>
           </a:xfrm>
           <a:prstGeom prst="rect">
             <a:avLst/>
@@ -10786,10 +10820,10 @@
       </p:pic>
       <p:pic>
         <p:nvPicPr>
-          <p:cNvPr id="6" name="그림 5">
-            <a:extLst>
-              <a:ext uri="{FF2B5EF4-FFF2-40B4-BE49-F238E27FC236}">
-                <a16:creationId xmlns:a16="http://schemas.microsoft.com/office/drawing/2014/main" id="{3A3471FC-9660-405E-B699-D0E6C908AD5F}"/>
+          <p:cNvPr id="7" name="그림 6">
+            <a:extLst>
+              <a:ext uri="{FF2B5EF4-FFF2-40B4-BE49-F238E27FC236}">
+                <a16:creationId xmlns:a16="http://schemas.microsoft.com/office/drawing/2014/main" id="{AAEA709A-DE78-40BC-B967-1C30B4AD6D41}"/>
               </a:ext>
             </a:extLst>
           </p:cNvPr>
@@ -10806,8 +10840,8 @@
         </p:blipFill>
         <p:spPr>
           <a:xfrm>
-            <a:off x="7137272" y="5150351"/>
-            <a:ext cx="4515480" cy="504895"/>
+            <a:off x="7047049" y="5389283"/>
+            <a:ext cx="4446014" cy="505566"/>
           </a:xfrm>
           <a:prstGeom prst="rect">
             <a:avLst/>
@@ -10882,12 +10916,64 @@
           </a:p>
         </p:txBody>
       </p:sp>
+      <p:sp>
+        <p:nvSpPr>
+          <p:cNvPr id="6" name="TextBox 5">
+            <a:extLst>
+              <a:ext uri="{FF2B5EF4-FFF2-40B4-BE49-F238E27FC236}">
+                <a16:creationId xmlns:a16="http://schemas.microsoft.com/office/drawing/2014/main" id="{90BF3934-684B-40F5-B00A-66EB526AAE0B}"/>
+              </a:ext>
+            </a:extLst>
+          </p:cNvPr>
+          <p:cNvSpPr txBox="1"/>
+          <p:nvPr/>
+        </p:nvSpPr>
+        <p:spPr>
+          <a:xfrm>
+            <a:off x="838200" y="5593976"/>
+            <a:ext cx="2377574" cy="369332"/>
+          </a:xfrm>
+          <a:prstGeom prst="rect">
+            <a:avLst/>
+          </a:prstGeom>
+          <a:noFill/>
+        </p:spPr>
+        <p:txBody>
+          <a:bodyPr wrap="none" rtlCol="0">
+            <a:spAutoFit/>
+          </a:bodyPr>
+          <a:lstStyle/>
+          <a:p>
+            <a:r>
+              <a:rPr lang="ko-KR" altLang="en-US">
+                <a:latin typeface="D2Coding" panose="020B0609020101020101" pitchFamily="49" charset="-127"/>
+                <a:ea typeface="D2Coding" panose="020B0609020101020101" pitchFamily="49" charset="-127"/>
+              </a:rPr>
+              <a:t>즉</a:t>
+            </a:r>
+            <a:r>
+              <a:rPr lang="en-US" altLang="ko-KR">
+                <a:latin typeface="D2Coding" panose="020B0609020101020101" pitchFamily="49" charset="-127"/>
+                <a:ea typeface="D2Coding" panose="020B0609020101020101" pitchFamily="49" charset="-127"/>
+              </a:rPr>
+              <a:t>, + </a:t>
+            </a:r>
+            <a:r>
+              <a:rPr lang="ko-KR" altLang="en-US">
+                <a:latin typeface="D2Coding" panose="020B0609020101020101" pitchFamily="49" charset="-127"/>
+                <a:ea typeface="D2Coding" panose="020B0609020101020101" pitchFamily="49" charset="-127"/>
+              </a:rPr>
+              <a:t>연산자와 동일</a:t>
+            </a:r>
+          </a:p>
+        </p:txBody>
+      </p:sp>
       <p:pic>
         <p:nvPicPr>
-          <p:cNvPr id="4" name="그림 3">
-            <a:extLst>
-              <a:ext uri="{FF2B5EF4-FFF2-40B4-BE49-F238E27FC236}">
-                <a16:creationId xmlns:a16="http://schemas.microsoft.com/office/drawing/2014/main" id="{8CA8C2D0-9CFC-4298-A4FE-045B4DCCCB89}"/>
+          <p:cNvPr id="3" name="그림 2">
+            <a:extLst>
+              <a:ext uri="{FF2B5EF4-FFF2-40B4-BE49-F238E27FC236}">
+                <a16:creationId xmlns:a16="http://schemas.microsoft.com/office/drawing/2014/main" id="{1359AFD4-D08B-4AC1-B24F-C1451A2DDD5E}"/>
               </a:ext>
             </a:extLst>
           </p:cNvPr>
@@ -10904,8 +10990,8 @@
         </p:blipFill>
         <p:spPr>
           <a:xfrm>
-            <a:off x="838200" y="1738076"/>
-            <a:ext cx="6687483" cy="3381847"/>
+            <a:off x="838200" y="1478849"/>
+            <a:ext cx="7156305" cy="3641074"/>
           </a:xfrm>
           <a:prstGeom prst="rect">
             <a:avLst/>
@@ -10914,10 +11000,10 @@
       </p:pic>
       <p:pic>
         <p:nvPicPr>
-          <p:cNvPr id="5" name="그림 4">
-            <a:extLst>
-              <a:ext uri="{FF2B5EF4-FFF2-40B4-BE49-F238E27FC236}">
-                <a16:creationId xmlns:a16="http://schemas.microsoft.com/office/drawing/2014/main" id="{B4762CDD-B62F-4F0A-8362-6CA29690A77A}"/>
+          <p:cNvPr id="7" name="그림 6">
+            <a:extLst>
+              <a:ext uri="{FF2B5EF4-FFF2-40B4-BE49-F238E27FC236}">
+                <a16:creationId xmlns:a16="http://schemas.microsoft.com/office/drawing/2014/main" id="{64B49CDB-2C7A-41D0-B95D-B306E5B52A41}"/>
               </a:ext>
             </a:extLst>
           </p:cNvPr>
@@ -10934,66 +11020,14 @@
         </p:blipFill>
         <p:spPr>
           <a:xfrm>
-            <a:off x="8370940" y="4634080"/>
-            <a:ext cx="1629002" cy="485843"/>
+            <a:off x="8393680" y="4530599"/>
+            <a:ext cx="2057687" cy="628738"/>
           </a:xfrm>
           <a:prstGeom prst="rect">
             <a:avLst/>
           </a:prstGeom>
         </p:spPr>
       </p:pic>
-      <p:sp>
-        <p:nvSpPr>
-          <p:cNvPr id="6" name="TextBox 5">
-            <a:extLst>
-              <a:ext uri="{FF2B5EF4-FFF2-40B4-BE49-F238E27FC236}">
-                <a16:creationId xmlns:a16="http://schemas.microsoft.com/office/drawing/2014/main" id="{90BF3934-684B-40F5-B00A-66EB526AAE0B}"/>
-              </a:ext>
-            </a:extLst>
-          </p:cNvPr>
-          <p:cNvSpPr txBox="1"/>
-          <p:nvPr/>
-        </p:nvSpPr>
-        <p:spPr>
-          <a:xfrm>
-            <a:off x="838200" y="5593976"/>
-            <a:ext cx="2377574" cy="369332"/>
-          </a:xfrm>
-          <a:prstGeom prst="rect">
-            <a:avLst/>
-          </a:prstGeom>
-          <a:noFill/>
-        </p:spPr>
-        <p:txBody>
-          <a:bodyPr wrap="none" rtlCol="0">
-            <a:spAutoFit/>
-          </a:bodyPr>
-          <a:lstStyle/>
-          <a:p>
-            <a:r>
-              <a:rPr lang="ko-KR" altLang="en-US">
-                <a:latin typeface="D2Coding" panose="020B0609020101020101" pitchFamily="49" charset="-127"/>
-                <a:ea typeface="D2Coding" panose="020B0609020101020101" pitchFamily="49" charset="-127"/>
-              </a:rPr>
-              <a:t>즉</a:t>
-            </a:r>
-            <a:r>
-              <a:rPr lang="en-US" altLang="ko-KR">
-                <a:latin typeface="D2Coding" panose="020B0609020101020101" pitchFamily="49" charset="-127"/>
-                <a:ea typeface="D2Coding" panose="020B0609020101020101" pitchFamily="49" charset="-127"/>
-              </a:rPr>
-              <a:t>, + </a:t>
-            </a:r>
-            <a:r>
-              <a:rPr lang="ko-KR" altLang="en-US">
-                <a:latin typeface="D2Coding" panose="020B0609020101020101" pitchFamily="49" charset="-127"/>
-                <a:ea typeface="D2Coding" panose="020B0609020101020101" pitchFamily="49" charset="-127"/>
-              </a:rPr>
-              <a:t>연산자와 동일</a:t>
-            </a:r>
-          </a:p>
-        </p:txBody>
-      </p:sp>
     </p:spTree>
     <p:extLst>
       <p:ext uri="{BB962C8B-B14F-4D97-AF65-F5344CB8AC3E}">
@@ -12340,12 +12374,78 @@
           </a:p>
         </p:txBody>
       </p:sp>
+      <p:sp>
+        <p:nvSpPr>
+          <p:cNvPr id="6" name="TextBox 5">
+            <a:extLst>
+              <a:ext uri="{FF2B5EF4-FFF2-40B4-BE49-F238E27FC236}">
+                <a16:creationId xmlns:a16="http://schemas.microsoft.com/office/drawing/2014/main" id="{73BA839C-F1DA-4838-A0AF-B0036DD13BED}"/>
+              </a:ext>
+            </a:extLst>
+          </p:cNvPr>
+          <p:cNvSpPr txBox="1"/>
+          <p:nvPr/>
+        </p:nvSpPr>
+        <p:spPr>
+          <a:xfrm>
+            <a:off x="7854624" y="3318449"/>
+            <a:ext cx="3647152" cy="369332"/>
+          </a:xfrm>
+          <a:prstGeom prst="rect">
+            <a:avLst/>
+          </a:prstGeom>
+          <a:noFill/>
+        </p:spPr>
+        <p:txBody>
+          <a:bodyPr wrap="none" rtlCol="0">
+            <a:spAutoFit/>
+          </a:bodyPr>
+          <a:lstStyle/>
+          <a:p>
+            <a:r>
+              <a:rPr lang="ko-KR" altLang="en-US">
+                <a:latin typeface="D2Coding" panose="020B0609020101020101" pitchFamily="49" charset="-127"/>
+                <a:ea typeface="D2Coding" panose="020B0609020101020101" pitchFamily="49" charset="-127"/>
+              </a:rPr>
+              <a:t>이 경우</a:t>
+            </a:r>
+            <a:r>
+              <a:rPr lang="en-US" altLang="ko-KR">
+                <a:latin typeface="D2Coding" panose="020B0609020101020101" pitchFamily="49" charset="-127"/>
+                <a:ea typeface="D2Coding" panose="020B0609020101020101" pitchFamily="49" charset="-127"/>
+              </a:rPr>
+              <a:t>, </a:t>
+            </a:r>
+            <a:r>
+              <a:rPr lang="ko-KR" altLang="en-US">
+                <a:latin typeface="D2Coding" panose="020B0609020101020101" pitchFamily="49" charset="-127"/>
+                <a:ea typeface="D2Coding" panose="020B0609020101020101" pitchFamily="49" charset="-127"/>
+              </a:rPr>
+              <a:t>공백 </a:t>
+            </a:r>
+            <a:r>
+              <a:rPr lang="en-US" altLang="ko-KR">
+                <a:latin typeface="D2Coding" panose="020B0609020101020101" pitchFamily="49" charset="-127"/>
+                <a:ea typeface="D2Coding" panose="020B0609020101020101" pitchFamily="49" charset="-127"/>
+              </a:rPr>
+              <a:t>" " </a:t>
+            </a:r>
+            <a:r>
+              <a:rPr lang="ko-KR" altLang="en-US">
+                <a:latin typeface="D2Coding" panose="020B0609020101020101" pitchFamily="49" charset="-127"/>
+                <a:ea typeface="D2Coding" panose="020B0609020101020101" pitchFamily="49" charset="-127"/>
+              </a:rPr>
+              <a:t>이 구분 기준</a:t>
+            </a:r>
+          </a:p>
+        </p:txBody>
+      </p:sp>
       <p:pic>
         <p:nvPicPr>
-          <p:cNvPr id="4" name="그림 3">
-            <a:extLst>
-              <a:ext uri="{FF2B5EF4-FFF2-40B4-BE49-F238E27FC236}">
-                <a16:creationId xmlns:a16="http://schemas.microsoft.com/office/drawing/2014/main" id="{1834187C-AD7E-4D95-8106-7A44FF43DAE4}"/>
+          <p:cNvPr id="7" name="그림 6">
+            <a:extLst>
+              <a:ext uri="{FF2B5EF4-FFF2-40B4-BE49-F238E27FC236}">
+                <a16:creationId xmlns:a16="http://schemas.microsoft.com/office/drawing/2014/main" id="{C413DD57-C6BA-4AD5-BC5A-4C406960A971}"/>
               </a:ext>
             </a:extLst>
           </p:cNvPr>
@@ -12362,8 +12462,8 @@
         </p:blipFill>
         <p:spPr>
           <a:xfrm>
-            <a:off x="838200" y="2814060"/>
-            <a:ext cx="5273268" cy="1378111"/>
+            <a:off x="961228" y="2662449"/>
+            <a:ext cx="6706536" cy="1571844"/>
           </a:xfrm>
           <a:prstGeom prst="rect">
             <a:avLst/>
@@ -12372,10 +12472,10 @@
       </p:pic>
       <p:pic>
         <p:nvPicPr>
-          <p:cNvPr id="5" name="그림 4">
-            <a:extLst>
-              <a:ext uri="{FF2B5EF4-FFF2-40B4-BE49-F238E27FC236}">
-                <a16:creationId xmlns:a16="http://schemas.microsoft.com/office/drawing/2014/main" id="{ADB80DDA-7892-4268-9AA2-D32C30D734D8}"/>
+          <p:cNvPr id="8" name="그림 7">
+            <a:extLst>
+              <a:ext uri="{FF2B5EF4-FFF2-40B4-BE49-F238E27FC236}">
+                <a16:creationId xmlns:a16="http://schemas.microsoft.com/office/drawing/2014/main" id="{B5CB9408-A848-461D-985D-E5013B9DEDFC}"/>
               </a:ext>
             </a:extLst>
           </p:cNvPr>
@@ -12392,80 +12492,14 @@
         </p:blipFill>
         <p:spPr>
           <a:xfrm>
-            <a:off x="3471496" y="4642859"/>
-            <a:ext cx="5249008" cy="457264"/>
+            <a:off x="1466124" y="4694494"/>
+            <a:ext cx="6201640" cy="628738"/>
           </a:xfrm>
           <a:prstGeom prst="rect">
             <a:avLst/>
           </a:prstGeom>
         </p:spPr>
       </p:pic>
-      <p:sp>
-        <p:nvSpPr>
-          <p:cNvPr id="6" name="TextBox 5">
-            <a:extLst>
-              <a:ext uri="{FF2B5EF4-FFF2-40B4-BE49-F238E27FC236}">
-                <a16:creationId xmlns:a16="http://schemas.microsoft.com/office/drawing/2014/main" id="{73BA839C-F1DA-4838-A0AF-B0036DD13BED}"/>
-              </a:ext>
-            </a:extLst>
-          </p:cNvPr>
-          <p:cNvSpPr txBox="1"/>
-          <p:nvPr/>
-        </p:nvSpPr>
-        <p:spPr>
-          <a:xfrm>
-            <a:off x="6372665" y="3263705"/>
-            <a:ext cx="3647152" cy="369332"/>
-          </a:xfrm>
-          <a:prstGeom prst="rect">
-            <a:avLst/>
-          </a:prstGeom>
-          <a:noFill/>
-        </p:spPr>
-        <p:txBody>
-          <a:bodyPr wrap="none" rtlCol="0">
-            <a:spAutoFit/>
-          </a:bodyPr>
-          <a:lstStyle/>
-          <a:p>
-            <a:r>
-              <a:rPr lang="ko-KR" altLang="en-US">
-                <a:latin typeface="D2Coding" panose="020B0609020101020101" pitchFamily="49" charset="-127"/>
-                <a:ea typeface="D2Coding" panose="020B0609020101020101" pitchFamily="49" charset="-127"/>
-              </a:rPr>
-              <a:t>이 경우</a:t>
-            </a:r>
-            <a:r>
-              <a:rPr lang="en-US" altLang="ko-KR">
-                <a:latin typeface="D2Coding" panose="020B0609020101020101" pitchFamily="49" charset="-127"/>
-                <a:ea typeface="D2Coding" panose="020B0609020101020101" pitchFamily="49" charset="-127"/>
-              </a:rPr>
-              <a:t>, </a:t>
-            </a:r>
-            <a:r>
-              <a:rPr lang="ko-KR" altLang="en-US">
-                <a:latin typeface="D2Coding" panose="020B0609020101020101" pitchFamily="49" charset="-127"/>
-                <a:ea typeface="D2Coding" panose="020B0609020101020101" pitchFamily="49" charset="-127"/>
-              </a:rPr>
-              <a:t>공백 </a:t>
-            </a:r>
-            <a:r>
-              <a:rPr lang="en-US" altLang="ko-KR">
-                <a:latin typeface="D2Coding" panose="020B0609020101020101" pitchFamily="49" charset="-127"/>
-                <a:ea typeface="D2Coding" panose="020B0609020101020101" pitchFamily="49" charset="-127"/>
-              </a:rPr>
-              <a:t>" " </a:t>
-            </a:r>
-            <a:r>
-              <a:rPr lang="ko-KR" altLang="en-US">
-                <a:latin typeface="D2Coding" panose="020B0609020101020101" pitchFamily="49" charset="-127"/>
-                <a:ea typeface="D2Coding" panose="020B0609020101020101" pitchFamily="49" charset="-127"/>
-              </a:rPr>
-              <a:t>이 구분 기준</a:t>
-            </a:r>
-          </a:p>
-        </p:txBody>
-      </p:sp>
     </p:spTree>
     <p:extLst>
       <p:ext uri="{BB962C8B-B14F-4D97-AF65-F5344CB8AC3E}">
@@ -12531,12 +12565,64 @@
           </a:p>
         </p:txBody>
       </p:sp>
+      <p:sp>
+        <p:nvSpPr>
+          <p:cNvPr id="6" name="TextBox 5">
+            <a:extLst>
+              <a:ext uri="{FF2B5EF4-FFF2-40B4-BE49-F238E27FC236}">
+                <a16:creationId xmlns:a16="http://schemas.microsoft.com/office/drawing/2014/main" id="{73BA839C-F1DA-4838-A0AF-B0036DD13BED}"/>
+              </a:ext>
+            </a:extLst>
+          </p:cNvPr>
+          <p:cNvSpPr txBox="1"/>
+          <p:nvPr/>
+        </p:nvSpPr>
+        <p:spPr>
+          <a:xfrm>
+            <a:off x="7570844" y="3263705"/>
+            <a:ext cx="3070071" cy="369332"/>
+          </a:xfrm>
+          <a:prstGeom prst="rect">
+            <a:avLst/>
+          </a:prstGeom>
+          <a:noFill/>
+        </p:spPr>
+        <p:txBody>
+          <a:bodyPr wrap="none" rtlCol="0">
+            <a:spAutoFit/>
+          </a:bodyPr>
+          <a:lstStyle/>
+          <a:p>
+            <a:r>
+              <a:rPr lang="ko-KR" altLang="en-US">
+                <a:latin typeface="D2Coding" panose="020B0609020101020101" pitchFamily="49" charset="-127"/>
+                <a:ea typeface="D2Coding" panose="020B0609020101020101" pitchFamily="49" charset="-127"/>
+              </a:rPr>
+              <a:t>이 경우</a:t>
+            </a:r>
+            <a:r>
+              <a:rPr lang="en-US" altLang="ko-KR">
+                <a:latin typeface="D2Coding" panose="020B0609020101020101" pitchFamily="49" charset="-127"/>
+                <a:ea typeface="D2Coding" panose="020B0609020101020101" pitchFamily="49" charset="-127"/>
+              </a:rPr>
+              <a:t>, "|" </a:t>
+            </a:r>
+            <a:r>
+              <a:rPr lang="ko-KR" altLang="en-US">
+                <a:latin typeface="D2Coding" panose="020B0609020101020101" pitchFamily="49" charset="-127"/>
+                <a:ea typeface="D2Coding" panose="020B0609020101020101" pitchFamily="49" charset="-127"/>
+              </a:rPr>
+              <a:t>이 구분 기준</a:t>
+            </a:r>
+          </a:p>
+        </p:txBody>
+      </p:sp>
       <p:pic>
         <p:nvPicPr>
-          <p:cNvPr id="5" name="그림 4">
-            <a:extLst>
-              <a:ext uri="{FF2B5EF4-FFF2-40B4-BE49-F238E27FC236}">
-                <a16:creationId xmlns:a16="http://schemas.microsoft.com/office/drawing/2014/main" id="{ADB80DDA-7892-4268-9AA2-D32C30D734D8}"/>
+          <p:cNvPr id="3" name="그림 2">
+            <a:extLst>
+              <a:ext uri="{FF2B5EF4-FFF2-40B4-BE49-F238E27FC236}">
+                <a16:creationId xmlns:a16="http://schemas.microsoft.com/office/drawing/2014/main" id="{8B766147-73DB-4182-B89D-96554FCC6841}"/>
               </a:ext>
             </a:extLst>
           </p:cNvPr>
@@ -12553,72 +12639,20 @@
         </p:blipFill>
         <p:spPr>
           <a:xfrm>
-            <a:off x="3471496" y="4642859"/>
-            <a:ext cx="5249008" cy="457264"/>
+            <a:off x="442108" y="2638633"/>
+            <a:ext cx="6830378" cy="1619476"/>
           </a:xfrm>
           <a:prstGeom prst="rect">
             <a:avLst/>
           </a:prstGeom>
         </p:spPr>
       </p:pic>
-      <p:sp>
-        <p:nvSpPr>
-          <p:cNvPr id="6" name="TextBox 5">
-            <a:extLst>
-              <a:ext uri="{FF2B5EF4-FFF2-40B4-BE49-F238E27FC236}">
-                <a16:creationId xmlns:a16="http://schemas.microsoft.com/office/drawing/2014/main" id="{73BA839C-F1DA-4838-A0AF-B0036DD13BED}"/>
-              </a:ext>
-            </a:extLst>
-          </p:cNvPr>
-          <p:cNvSpPr txBox="1"/>
-          <p:nvPr/>
-        </p:nvSpPr>
-        <p:spPr>
-          <a:xfrm>
-            <a:off x="6372665" y="3263705"/>
-            <a:ext cx="3070071" cy="369332"/>
-          </a:xfrm>
-          <a:prstGeom prst="rect">
-            <a:avLst/>
-          </a:prstGeom>
-          <a:noFill/>
-        </p:spPr>
-        <p:txBody>
-          <a:bodyPr wrap="none" rtlCol="0">
-            <a:spAutoFit/>
-          </a:bodyPr>
-          <a:lstStyle/>
-          <a:p>
-            <a:r>
-              <a:rPr lang="ko-KR" altLang="en-US">
-                <a:latin typeface="D2Coding" panose="020B0609020101020101" pitchFamily="49" charset="-127"/>
-                <a:ea typeface="D2Coding" panose="020B0609020101020101" pitchFamily="49" charset="-127"/>
-              </a:rPr>
-              <a:t>이 경우</a:t>
-            </a:r>
-            <a:r>
-              <a:rPr lang="en-US" altLang="ko-KR">
-                <a:latin typeface="D2Coding" panose="020B0609020101020101" pitchFamily="49" charset="-127"/>
-                <a:ea typeface="D2Coding" panose="020B0609020101020101" pitchFamily="49" charset="-127"/>
-              </a:rPr>
-              <a:t>, "|" </a:t>
-            </a:r>
-            <a:r>
-              <a:rPr lang="ko-KR" altLang="en-US">
-                <a:latin typeface="D2Coding" panose="020B0609020101020101" pitchFamily="49" charset="-127"/>
-                <a:ea typeface="D2Coding" panose="020B0609020101020101" pitchFamily="49" charset="-127"/>
-              </a:rPr>
-              <a:t>이 구분 기준</a:t>
-            </a:r>
-          </a:p>
-        </p:txBody>
-      </p:sp>
       <p:pic>
         <p:nvPicPr>
-          <p:cNvPr id="7" name="그림 6">
-            <a:extLst>
-              <a:ext uri="{FF2B5EF4-FFF2-40B4-BE49-F238E27FC236}">
-                <a16:creationId xmlns:a16="http://schemas.microsoft.com/office/drawing/2014/main" id="{FDFF6177-C4B6-438D-AE3B-A2FEA24E1CD3}"/>
+          <p:cNvPr id="8" name="그림 7">
+            <a:extLst>
+              <a:ext uri="{FF2B5EF4-FFF2-40B4-BE49-F238E27FC236}">
+                <a16:creationId xmlns:a16="http://schemas.microsoft.com/office/drawing/2014/main" id="{BCD45F86-05C3-4B9E-A0BF-3CE7D3473F96}"/>
               </a:ext>
             </a:extLst>
           </p:cNvPr>
@@ -12635,8 +12669,8 @@
         </p:blipFill>
         <p:spPr>
           <a:xfrm>
-            <a:off x="838199" y="2820666"/>
-            <a:ext cx="5267971" cy="1325563"/>
+            <a:off x="1070846" y="4726025"/>
+            <a:ext cx="6201640" cy="628738"/>
           </a:xfrm>
           <a:prstGeom prst="rect">
             <a:avLst/>
@@ -12722,7 +12756,7 @@
         </p:nvSpPr>
         <p:spPr>
           <a:xfrm>
-            <a:off x="6372665" y="3263705"/>
+            <a:off x="7239769" y="3059668"/>
             <a:ext cx="2954655" cy="369332"/>
           </a:xfrm>
           <a:prstGeom prst="rect">
@@ -12759,10 +12793,10 @@
       </p:sp>
       <p:pic>
         <p:nvPicPr>
-          <p:cNvPr id="3" name="그림 2">
-            <a:extLst>
-              <a:ext uri="{FF2B5EF4-FFF2-40B4-BE49-F238E27FC236}">
-                <a16:creationId xmlns:a16="http://schemas.microsoft.com/office/drawing/2014/main" id="{A3EDE5E7-D4AC-4ED6-B73A-8B3330B804DB}"/>
+          <p:cNvPr id="5" name="그림 4">
+            <a:extLst>
+              <a:ext uri="{FF2B5EF4-FFF2-40B4-BE49-F238E27FC236}">
+                <a16:creationId xmlns:a16="http://schemas.microsoft.com/office/drawing/2014/main" id="{4BEC546B-95EC-460C-91D8-88CA50126FA9}"/>
               </a:ext>
             </a:extLst>
           </p:cNvPr>
@@ -12779,8 +12813,8 @@
         </p:blipFill>
         <p:spPr>
           <a:xfrm>
-            <a:off x="596313" y="2536621"/>
-            <a:ext cx="5448665" cy="1458603"/>
+            <a:off x="727562" y="2453967"/>
+            <a:ext cx="6354062" cy="1619476"/>
           </a:xfrm>
           <a:prstGeom prst="rect">
             <a:avLst/>
@@ -12789,10 +12823,10 @@
       </p:pic>
       <p:pic>
         <p:nvPicPr>
-          <p:cNvPr id="4" name="그림 3">
-            <a:extLst>
-              <a:ext uri="{FF2B5EF4-FFF2-40B4-BE49-F238E27FC236}">
-                <a16:creationId xmlns:a16="http://schemas.microsoft.com/office/drawing/2014/main" id="{D3A4E212-EBA6-44E7-956A-787756156070}"/>
+          <p:cNvPr id="7" name="그림 6">
+            <a:extLst>
+              <a:ext uri="{FF2B5EF4-FFF2-40B4-BE49-F238E27FC236}">
+                <a16:creationId xmlns:a16="http://schemas.microsoft.com/office/drawing/2014/main" id="{6B7A4953-43A0-4048-B7BA-168E215675A8}"/>
               </a:ext>
             </a:extLst>
           </p:cNvPr>
@@ -12809,8 +12843,8 @@
         </p:blipFill>
         <p:spPr>
           <a:xfrm>
-            <a:off x="2774511" y="4991711"/>
-            <a:ext cx="8049748" cy="428685"/>
+            <a:off x="727562" y="4641432"/>
+            <a:ext cx="6658904" cy="390580"/>
           </a:xfrm>
           <a:prstGeom prst="rect">
             <a:avLst/>
@@ -12847,96 +12881,18 @@
           <a:chExt cx="0" cy="0"/>
         </a:xfrm>
       </p:grpSpPr>
-      <p:sp>
-        <p:nvSpPr>
-          <p:cNvPr id="2" name="제목 1">
-            <a:extLst>
-              <a:ext uri="{FF2B5EF4-FFF2-40B4-BE49-F238E27FC236}">
-                <a16:creationId xmlns:a16="http://schemas.microsoft.com/office/drawing/2014/main" id="{50E2ECE7-2AEE-45CE-B026-6F5618E81F93}"/>
-              </a:ext>
-            </a:extLst>
-          </p:cNvPr>
-          <p:cNvSpPr>
-            <a:spLocks noGrp="1"/>
-          </p:cNvSpPr>
-          <p:nvPr>
-            <p:ph type="title"/>
-          </p:nvPr>
-        </p:nvSpPr>
-        <p:spPr/>
-        <p:txBody>
-          <a:bodyPr/>
-          <a:lstStyle/>
-          <a:p>
-            <a:r>
-              <a:rPr lang="ko-KR" altLang="en-US">
-                <a:latin typeface="D2Coding" panose="020B0609020101020101" pitchFamily="49" charset="-127"/>
-                <a:ea typeface="D2Coding" panose="020B0609020101020101" pitchFamily="49" charset="-127"/>
-              </a:rPr>
-              <a:t>객체의 변경</a:t>
-            </a:r>
-          </a:p>
-        </p:txBody>
-      </p:sp>
-      <p:sp>
-        <p:nvSpPr>
-          <p:cNvPr id="3" name="내용 개체 틀 2">
-            <a:extLst>
-              <a:ext uri="{FF2B5EF4-FFF2-40B4-BE49-F238E27FC236}">
-                <a16:creationId xmlns:a16="http://schemas.microsoft.com/office/drawing/2014/main" id="{89F395DC-95A7-4FDF-968F-E2441E136255}"/>
-              </a:ext>
-            </a:extLst>
-          </p:cNvPr>
-          <p:cNvSpPr>
-            <a:spLocks noGrp="1"/>
-          </p:cNvSpPr>
-          <p:nvPr>
-            <p:ph idx="1"/>
-          </p:nvPr>
-        </p:nvSpPr>
-        <p:spPr>
-          <a:xfrm>
-            <a:off x="838200" y="1825625"/>
-            <a:ext cx="10515600" cy="523128"/>
-          </a:xfrm>
-        </p:spPr>
-        <p:txBody>
-          <a:bodyPr/>
-          <a:lstStyle/>
-          <a:p>
-            <a:r>
-              <a:rPr lang="en-US" altLang="ko-KR">
-                <a:solidFill>
-                  <a:srgbClr val="FF0000"/>
-                </a:solidFill>
-                <a:latin typeface="D2Coding" panose="020B0609020101020101" pitchFamily="49" charset="-127"/>
-                <a:ea typeface="D2Coding" panose="020B0609020101020101" pitchFamily="49" charset="-127"/>
-              </a:rPr>
-              <a:t>const</a:t>
-            </a:r>
-            <a:r>
-              <a:rPr lang="ko-KR" altLang="en-US">
-                <a:solidFill>
-                  <a:srgbClr val="FF0000"/>
-                </a:solidFill>
-                <a:latin typeface="D2Coding" panose="020B0609020101020101" pitchFamily="49" charset="-127"/>
-                <a:ea typeface="D2Coding" panose="020B0609020101020101" pitchFamily="49" charset="-127"/>
-              </a:rPr>
-              <a:t> 로 선언했더라도 변경 가능</a:t>
-            </a:r>
-          </a:p>
-        </p:txBody>
-      </p:sp>
       <p:pic>
         <p:nvPicPr>
-          <p:cNvPr id="4" name="그림 3">
-            <a:extLst>
-              <a:ext uri="{FF2B5EF4-FFF2-40B4-BE49-F238E27FC236}">
-                <a16:creationId xmlns:a16="http://schemas.microsoft.com/office/drawing/2014/main" id="{45361EAE-A63D-49F8-BC25-25336190A27A}"/>
-              </a:ext>
-            </a:extLst>
-          </p:cNvPr>
-          <p:cNvPicPr/>
+          <p:cNvPr id="9" name="그림 8">
+            <a:extLst>
+              <a:ext uri="{FF2B5EF4-FFF2-40B4-BE49-F238E27FC236}">
+                <a16:creationId xmlns:a16="http://schemas.microsoft.com/office/drawing/2014/main" id="{0777881B-4419-492D-9DD0-0A8858101B9B}"/>
+              </a:ext>
+            </a:extLst>
+          </p:cNvPr>
+          <p:cNvPicPr>
+            <a:picLocks noChangeAspect="1"/>
+          </p:cNvPicPr>
           <p:nvPr/>
         </p:nvPicPr>
         <p:blipFill>
@@ -12947,42 +12903,94 @@
         </p:blipFill>
         <p:spPr>
           <a:xfrm>
-            <a:off x="533400" y="2936348"/>
-            <a:ext cx="4020671" cy="985303"/>
+            <a:off x="5269380" y="3429000"/>
+            <a:ext cx="6255214" cy="1777874"/>
           </a:xfrm>
           <a:prstGeom prst="rect">
             <a:avLst/>
           </a:prstGeom>
         </p:spPr>
       </p:pic>
-      <p:pic>
-        <p:nvPicPr>
-          <p:cNvPr id="5" name="그림 4">
-            <a:extLst>
-              <a:ext uri="{FF2B5EF4-FFF2-40B4-BE49-F238E27FC236}">
-                <a16:creationId xmlns:a16="http://schemas.microsoft.com/office/drawing/2014/main" id="{009F3EFC-4C48-4AA6-90EE-60C8567C7BDF}"/>
-              </a:ext>
-            </a:extLst>
-          </p:cNvPr>
-          <p:cNvPicPr/>
-          <p:nvPr/>
-        </p:nvPicPr>
-        <p:blipFill>
-          <a:blip r:embed="rId3"/>
-          <a:stretch>
-            <a:fillRect/>
-          </a:stretch>
-        </p:blipFill>
+      <p:sp>
+        <p:nvSpPr>
+          <p:cNvPr id="2" name="제목 1">
+            <a:extLst>
+              <a:ext uri="{FF2B5EF4-FFF2-40B4-BE49-F238E27FC236}">
+                <a16:creationId xmlns:a16="http://schemas.microsoft.com/office/drawing/2014/main" id="{50E2ECE7-2AEE-45CE-B026-6F5618E81F93}"/>
+              </a:ext>
+            </a:extLst>
+          </p:cNvPr>
+          <p:cNvSpPr>
+            <a:spLocks noGrp="1"/>
+          </p:cNvSpPr>
+          <p:nvPr>
+            <p:ph type="title"/>
+          </p:nvPr>
+        </p:nvSpPr>
+        <p:spPr/>
+        <p:txBody>
+          <a:bodyPr/>
+          <a:lstStyle/>
+          <a:p>
+            <a:r>
+              <a:rPr lang="ko-KR" altLang="en-US">
+                <a:latin typeface="D2Coding" panose="020B0609020101020101" pitchFamily="49" charset="-127"/>
+                <a:ea typeface="D2Coding" panose="020B0609020101020101" pitchFamily="49" charset="-127"/>
+              </a:rPr>
+              <a:t>객체의 변경</a:t>
+            </a:r>
+          </a:p>
+        </p:txBody>
+      </p:sp>
+      <p:sp>
+        <p:nvSpPr>
+          <p:cNvPr id="3" name="내용 개체 틀 2">
+            <a:extLst>
+              <a:ext uri="{FF2B5EF4-FFF2-40B4-BE49-F238E27FC236}">
+                <a16:creationId xmlns:a16="http://schemas.microsoft.com/office/drawing/2014/main" id="{89F395DC-95A7-4FDF-968F-E2441E136255}"/>
+              </a:ext>
+            </a:extLst>
+          </p:cNvPr>
+          <p:cNvSpPr>
+            <a:spLocks noGrp="1"/>
+          </p:cNvSpPr>
+          <p:nvPr>
+            <p:ph idx="1"/>
+          </p:nvPr>
+        </p:nvSpPr>
         <p:spPr>
           <a:xfrm>
-            <a:off x="4915609" y="2688235"/>
-            <a:ext cx="6953661" cy="2466832"/>
+            <a:off x="838200" y="1825625"/>
+            <a:ext cx="10515600" cy="523128"/>
           </a:xfrm>
-          <a:prstGeom prst="rect">
-            <a:avLst/>
-          </a:prstGeom>
         </p:spPr>
-      </p:pic>
+        <p:txBody>
+          <a:bodyPr/>
+          <a:lstStyle/>
+          <a:p>
+            <a:r>
+              <a:rPr lang="en-US" altLang="ko-KR">
+                <a:solidFill>
+                  <a:srgbClr val="FF0000"/>
+                </a:solidFill>
+                <a:latin typeface="D2Coding" panose="020B0609020101020101" pitchFamily="49" charset="-127"/>
+                <a:ea typeface="D2Coding" panose="020B0609020101020101" pitchFamily="49" charset="-127"/>
+              </a:rPr>
+              <a:t>const</a:t>
+            </a:r>
+            <a:r>
+              <a:rPr lang="ko-KR" altLang="en-US">
+                <a:solidFill>
+                  <a:srgbClr val="FF0000"/>
+                </a:solidFill>
+                <a:latin typeface="D2Coding" panose="020B0609020101020101" pitchFamily="49" charset="-127"/>
+                <a:ea typeface="D2Coding" panose="020B0609020101020101" pitchFamily="49" charset="-127"/>
+              </a:rPr>
+              <a:t> 로 선언했더라도 변경 가능</a:t>
+            </a:r>
+          </a:p>
+        </p:txBody>
+      </p:sp>
       <p:sp>
         <p:nvSpPr>
           <p:cNvPr id="6" name="직사각형 5">
@@ -12997,8 +13005,8 @@
         </p:nvSpPr>
         <p:spPr>
           <a:xfrm>
-            <a:off x="5809129" y="4267200"/>
-            <a:ext cx="1075765" cy="304800"/>
+            <a:off x="5269380" y="4419600"/>
+            <a:ext cx="1651682" cy="420414"/>
           </a:xfrm>
           <a:prstGeom prst="rect">
             <a:avLst/>
@@ -13035,6 +13043,36 @@
           </a:p>
         </p:txBody>
       </p:sp>
+      <p:pic>
+        <p:nvPicPr>
+          <p:cNvPr id="8" name="그림 7">
+            <a:extLst>
+              <a:ext uri="{FF2B5EF4-FFF2-40B4-BE49-F238E27FC236}">
+                <a16:creationId xmlns:a16="http://schemas.microsoft.com/office/drawing/2014/main" id="{0575FB97-BBB3-4369-9E7B-0CC2B6140A1F}"/>
+              </a:ext>
+            </a:extLst>
+          </p:cNvPr>
+          <p:cNvPicPr>
+            <a:picLocks noChangeAspect="1"/>
+          </p:cNvPicPr>
+          <p:nvPr/>
+        </p:nvPicPr>
+        <p:blipFill>
+          <a:blip r:embed="rId3"/>
+          <a:stretch>
+            <a:fillRect/>
+          </a:stretch>
+        </p:blipFill>
+        <p:spPr>
+          <a:xfrm>
+            <a:off x="380537" y="3552683"/>
+            <a:ext cx="4172532" cy="1019317"/>
+          </a:xfrm>
+          <a:prstGeom prst="rect">
+            <a:avLst/>
+          </a:prstGeom>
+        </p:spPr>
+      </p:pic>
     </p:spTree>
     <p:extLst>
       <p:ext uri="{BB962C8B-B14F-4D97-AF65-F5344CB8AC3E}">
@@ -13065,124 +13103,12 @@
           <a:chExt cx="0" cy="0"/>
         </a:xfrm>
       </p:grpSpPr>
-      <p:sp>
-        <p:nvSpPr>
-          <p:cNvPr id="2" name="제목 1">
-            <a:extLst>
-              <a:ext uri="{FF2B5EF4-FFF2-40B4-BE49-F238E27FC236}">
-                <a16:creationId xmlns:a16="http://schemas.microsoft.com/office/drawing/2014/main" id="{47173EBD-19CF-46AB-B390-A1F0DC3188E8}"/>
-              </a:ext>
-            </a:extLst>
-          </p:cNvPr>
-          <p:cNvSpPr>
-            <a:spLocks noGrp="1"/>
-          </p:cNvSpPr>
-          <p:nvPr>
-            <p:ph type="title"/>
-          </p:nvPr>
-        </p:nvSpPr>
-        <p:spPr/>
-        <p:txBody>
-          <a:bodyPr/>
-          <a:lstStyle/>
-          <a:p>
-            <a:r>
-              <a:rPr lang="ko-KR" altLang="en-US">
-                <a:latin typeface="D2Coding" panose="020B0609020101020101" pitchFamily="49" charset="-127"/>
-                <a:ea typeface="D2Coding" panose="020B0609020101020101" pitchFamily="49" charset="-127"/>
-              </a:rPr>
-              <a:t>객체의 프로퍼티 추가</a:t>
-            </a:r>
-          </a:p>
-        </p:txBody>
-      </p:sp>
-      <p:sp>
-        <p:nvSpPr>
-          <p:cNvPr id="3" name="내용 개체 틀 2">
-            <a:extLst>
-              <a:ext uri="{FF2B5EF4-FFF2-40B4-BE49-F238E27FC236}">
-                <a16:creationId xmlns:a16="http://schemas.microsoft.com/office/drawing/2014/main" id="{3AD65BC8-A905-4A5C-A168-D8B806D99B64}"/>
-              </a:ext>
-            </a:extLst>
-          </p:cNvPr>
-          <p:cNvSpPr>
-            <a:spLocks noGrp="1"/>
-          </p:cNvSpPr>
-          <p:nvPr>
-            <p:ph idx="1"/>
-          </p:nvPr>
-        </p:nvSpPr>
-        <p:spPr>
-          <a:xfrm>
-            <a:off x="838200" y="1825625"/>
-            <a:ext cx="10515600" cy="509612"/>
-          </a:xfrm>
-        </p:spPr>
-        <p:txBody>
-          <a:bodyPr>
-            <a:normAutofit/>
-          </a:bodyPr>
-          <a:lstStyle/>
-          <a:p>
-            <a:r>
-              <a:rPr lang="ko-KR" altLang="en-US">
-                <a:solidFill>
-                  <a:srgbClr val="FF0000"/>
-                </a:solidFill>
-                <a:latin typeface="D2Coding" panose="020B0609020101020101" pitchFamily="49" charset="-127"/>
-                <a:ea typeface="D2Coding" panose="020B0609020101020101" pitchFamily="49" charset="-127"/>
-              </a:rPr>
-              <a:t>쩜</a:t>
-            </a:r>
-            <a:r>
-              <a:rPr lang="en-US" altLang="ko-KR">
-                <a:solidFill>
-                  <a:srgbClr val="FF0000"/>
-                </a:solidFill>
-                <a:latin typeface="D2Coding" panose="020B0609020101020101" pitchFamily="49" charset="-127"/>
-                <a:ea typeface="D2Coding" panose="020B0609020101020101" pitchFamily="49" charset="-127"/>
-              </a:rPr>
-              <a:t>( . ) </a:t>
-            </a:r>
-            <a:r>
-              <a:rPr lang="ko-KR" altLang="en-US">
-                <a:solidFill>
-                  <a:srgbClr val="FF0000"/>
-                </a:solidFill>
-                <a:latin typeface="D2Coding" panose="020B0609020101020101" pitchFamily="49" charset="-127"/>
-                <a:ea typeface="D2Coding" panose="020B0609020101020101" pitchFamily="49" charset="-127"/>
-              </a:rPr>
-              <a:t>으로 추가하는 대신 대괄호 </a:t>
-            </a:r>
-            <a:r>
-              <a:rPr lang="en-US" altLang="ko-KR">
-                <a:solidFill>
-                  <a:srgbClr val="FF0000"/>
-                </a:solidFill>
-                <a:latin typeface="D2Coding" panose="020B0609020101020101" pitchFamily="49" charset="-127"/>
-                <a:ea typeface="D2Coding" panose="020B0609020101020101" pitchFamily="49" charset="-127"/>
-              </a:rPr>
-              <a:t>[ ] </a:t>
-            </a:r>
-            <a:r>
-              <a:rPr lang="ko-KR" altLang="en-US">
-                <a:solidFill>
-                  <a:srgbClr val="FF0000"/>
-                </a:solidFill>
-                <a:latin typeface="D2Coding" panose="020B0609020101020101" pitchFamily="49" charset="-127"/>
-                <a:ea typeface="D2Coding" panose="020B0609020101020101" pitchFamily="49" charset="-127"/>
-              </a:rPr>
-              <a:t>사용</a:t>
-            </a:r>
-          </a:p>
-        </p:txBody>
-      </p:sp>
       <p:pic>
         <p:nvPicPr>
-          <p:cNvPr id="5" name="그림 4">
-            <a:extLst>
-              <a:ext uri="{FF2B5EF4-FFF2-40B4-BE49-F238E27FC236}">
-                <a16:creationId xmlns:a16="http://schemas.microsoft.com/office/drawing/2014/main" id="{E89374C6-4986-4868-BC69-0A7E553A7475}"/>
+          <p:cNvPr id="9" name="그림 8">
+            <a:extLst>
+              <a:ext uri="{FF2B5EF4-FFF2-40B4-BE49-F238E27FC236}">
+                <a16:creationId xmlns:a16="http://schemas.microsoft.com/office/drawing/2014/main" id="{A960FFC0-E9CE-4298-B66D-73FC675ACC2E}"/>
               </a:ext>
             </a:extLst>
           </p:cNvPr>
@@ -13199,44 +13125,126 @@
         </p:blipFill>
         <p:spPr>
           <a:xfrm>
-            <a:off x="838200" y="2470174"/>
-            <a:ext cx="5946087" cy="3419638"/>
+            <a:off x="7053937" y="3978495"/>
+            <a:ext cx="4755376" cy="1618264"/>
           </a:xfrm>
           <a:prstGeom prst="rect">
             <a:avLst/>
           </a:prstGeom>
         </p:spPr>
       </p:pic>
-      <p:pic>
-        <p:nvPicPr>
-          <p:cNvPr id="6" name="그림 5">
-            <a:extLst>
-              <a:ext uri="{FF2B5EF4-FFF2-40B4-BE49-F238E27FC236}">
-                <a16:creationId xmlns:a16="http://schemas.microsoft.com/office/drawing/2014/main" id="{F50B1340-1DD6-4DD1-A4A7-58358EB2ED61}"/>
-              </a:ext>
-            </a:extLst>
-          </p:cNvPr>
-          <p:cNvPicPr>
-            <a:picLocks noChangeAspect="1"/>
-          </p:cNvPicPr>
-          <p:nvPr/>
-        </p:nvPicPr>
-        <p:blipFill>
-          <a:blip r:embed="rId3"/>
-          <a:stretch>
-            <a:fillRect/>
-          </a:stretch>
-        </p:blipFill>
+      <p:sp>
+        <p:nvSpPr>
+          <p:cNvPr id="2" name="제목 1">
+            <a:extLst>
+              <a:ext uri="{FF2B5EF4-FFF2-40B4-BE49-F238E27FC236}">
+                <a16:creationId xmlns:a16="http://schemas.microsoft.com/office/drawing/2014/main" id="{47173EBD-19CF-46AB-B390-A1F0DC3188E8}"/>
+              </a:ext>
+            </a:extLst>
+          </p:cNvPr>
+          <p:cNvSpPr>
+            <a:spLocks noGrp="1"/>
+          </p:cNvSpPr>
+          <p:nvPr>
+            <p:ph type="title"/>
+          </p:nvPr>
+        </p:nvSpPr>
+        <p:spPr/>
+        <p:txBody>
+          <a:bodyPr/>
+          <a:lstStyle/>
+          <a:p>
+            <a:r>
+              <a:rPr lang="ko-KR" altLang="en-US">
+                <a:latin typeface="D2Coding" panose="020B0609020101020101" pitchFamily="49" charset="-127"/>
+                <a:ea typeface="D2Coding" panose="020B0609020101020101" pitchFamily="49" charset="-127"/>
+              </a:rPr>
+              <a:t>객체의 프로퍼티 추가</a:t>
+            </a:r>
+          </a:p>
+        </p:txBody>
+      </p:sp>
+      <p:sp>
+        <p:nvSpPr>
+          <p:cNvPr id="3" name="내용 개체 틀 2">
+            <a:extLst>
+              <a:ext uri="{FF2B5EF4-FFF2-40B4-BE49-F238E27FC236}">
+                <a16:creationId xmlns:a16="http://schemas.microsoft.com/office/drawing/2014/main" id="{3AD65BC8-A905-4A5C-A168-D8B806D99B64}"/>
+              </a:ext>
+            </a:extLst>
+          </p:cNvPr>
+          <p:cNvSpPr>
+            <a:spLocks noGrp="1"/>
+          </p:cNvSpPr>
+          <p:nvPr>
+            <p:ph idx="1"/>
+          </p:nvPr>
+        </p:nvSpPr>
         <p:spPr>
           <a:xfrm>
-            <a:off x="7103551" y="3712941"/>
-            <a:ext cx="4572890" cy="2176871"/>
+            <a:off x="838200" y="1825625"/>
+            <a:ext cx="10515600" cy="509612"/>
           </a:xfrm>
-          <a:prstGeom prst="rect">
-            <a:avLst/>
-          </a:prstGeom>
         </p:spPr>
-      </p:pic>
+        <p:txBody>
+          <a:bodyPr>
+            <a:normAutofit/>
+          </a:bodyPr>
+          <a:lstStyle/>
+          <a:p>
+            <a:r>
+              <a:rPr lang="ko-KR" altLang="en-US">
+                <a:solidFill>
+                  <a:srgbClr val="FF0000"/>
+                </a:solidFill>
+                <a:latin typeface="D2Coding" panose="020B0609020101020101" pitchFamily="49" charset="-127"/>
+                <a:ea typeface="D2Coding" panose="020B0609020101020101" pitchFamily="49" charset="-127"/>
+              </a:rPr>
+              <a:t>쩜</a:t>
+            </a:r>
+            <a:r>
+              <a:rPr lang="en-US" altLang="ko-KR">
+                <a:solidFill>
+                  <a:srgbClr val="FF0000"/>
+                </a:solidFill>
+                <a:latin typeface="D2Coding" panose="020B0609020101020101" pitchFamily="49" charset="-127"/>
+                <a:ea typeface="D2Coding" panose="020B0609020101020101" pitchFamily="49" charset="-127"/>
+              </a:rPr>
+              <a:t>( . ) </a:t>
+            </a:r>
+            <a:r>
+              <a:rPr lang="ko-KR" altLang="en-US">
+                <a:solidFill>
+                  <a:srgbClr val="FF0000"/>
+                </a:solidFill>
+                <a:latin typeface="D2Coding" panose="020B0609020101020101" pitchFamily="49" charset="-127"/>
+                <a:ea typeface="D2Coding" panose="020B0609020101020101" pitchFamily="49" charset="-127"/>
+              </a:rPr>
+              <a:t>으로 추가하는 대신 대괄호 </a:t>
+            </a:r>
+            <a:r>
+              <a:rPr lang="en-US" altLang="ko-KR">
+                <a:solidFill>
+                  <a:srgbClr val="FF0000"/>
+                </a:solidFill>
+                <a:latin typeface="D2Coding" panose="020B0609020101020101" pitchFamily="49" charset="-127"/>
+                <a:ea typeface="D2Coding" panose="020B0609020101020101" pitchFamily="49" charset="-127"/>
+              </a:rPr>
+              <a:t>[ ] </a:t>
+            </a:r>
+            <a:r>
+              <a:rPr lang="ko-KR" altLang="en-US">
+                <a:solidFill>
+                  <a:srgbClr val="FF0000"/>
+                </a:solidFill>
+                <a:latin typeface="D2Coding" panose="020B0609020101020101" pitchFamily="49" charset="-127"/>
+                <a:ea typeface="D2Coding" panose="020B0609020101020101" pitchFamily="49" charset="-127"/>
+              </a:rPr>
+              <a:t>사용</a:t>
+            </a:r>
+          </a:p>
+        </p:txBody>
+      </p:sp>
       <p:sp>
         <p:nvSpPr>
           <p:cNvPr id="7" name="직사각형 6">
@@ -13251,8 +13259,8 @@
         </p:nvSpPr>
         <p:spPr>
           <a:xfrm>
-            <a:off x="8337176" y="4179993"/>
-            <a:ext cx="1488142" cy="284431"/>
+            <a:off x="7943483" y="3965512"/>
+            <a:ext cx="1752310" cy="322709"/>
           </a:xfrm>
           <a:prstGeom prst="rect">
             <a:avLst/>
@@ -13289,6 +13297,36 @@
           </a:p>
         </p:txBody>
       </p:sp>
+      <p:pic>
+        <p:nvPicPr>
+          <p:cNvPr id="8" name="그림 7">
+            <a:extLst>
+              <a:ext uri="{FF2B5EF4-FFF2-40B4-BE49-F238E27FC236}">
+                <a16:creationId xmlns:a16="http://schemas.microsoft.com/office/drawing/2014/main" id="{A9824444-ECD2-4851-B472-7A74A56E7EF2}"/>
+              </a:ext>
+            </a:extLst>
+          </p:cNvPr>
+          <p:cNvPicPr>
+            <a:picLocks noChangeAspect="1"/>
+          </p:cNvPicPr>
+          <p:nvPr/>
+        </p:nvPicPr>
+        <p:blipFill>
+          <a:blip r:embed="rId3"/>
+          <a:stretch>
+            <a:fillRect/>
+          </a:stretch>
+        </p:blipFill>
+        <p:spPr>
+          <a:xfrm>
+            <a:off x="633248" y="2573532"/>
+            <a:ext cx="6155456" cy="3781784"/>
+          </a:xfrm>
+          <a:prstGeom prst="rect">
+            <a:avLst/>
+          </a:prstGeom>
+        </p:spPr>
+      </p:pic>
     </p:spTree>
     <p:extLst>
       <p:ext uri="{BB962C8B-B14F-4D97-AF65-F5344CB8AC3E}">
@@ -13319,79 +13357,12 @@
           <a:chExt cx="0" cy="0"/>
         </a:xfrm>
       </p:grpSpPr>
-      <p:sp>
-        <p:nvSpPr>
-          <p:cNvPr id="2" name="제목 1">
-            <a:extLst>
-              <a:ext uri="{FF2B5EF4-FFF2-40B4-BE49-F238E27FC236}">
-                <a16:creationId xmlns:a16="http://schemas.microsoft.com/office/drawing/2014/main" id="{624190A9-6763-4236-8BAA-79264A04BB27}"/>
-              </a:ext>
-            </a:extLst>
-          </p:cNvPr>
-          <p:cNvSpPr>
-            <a:spLocks noGrp="1"/>
-          </p:cNvSpPr>
-          <p:nvPr>
-            <p:ph type="title"/>
-          </p:nvPr>
-        </p:nvSpPr>
-        <p:spPr/>
-        <p:txBody>
-          <a:bodyPr/>
-          <a:lstStyle/>
-          <a:p>
-            <a:r>
-              <a:rPr lang="ko-KR" altLang="en-US">
-                <a:latin typeface="D2Coding" panose="020B0609020101020101" pitchFamily="49" charset="-127"/>
-                <a:ea typeface="D2Coding" panose="020B0609020101020101" pitchFamily="49" charset="-127"/>
-              </a:rPr>
-              <a:t>객체의 프로퍼티 추가</a:t>
-            </a:r>
-          </a:p>
-        </p:txBody>
-      </p:sp>
-      <p:sp>
-        <p:nvSpPr>
-          <p:cNvPr id="3" name="내용 개체 틀 2">
-            <a:extLst>
-              <a:ext uri="{FF2B5EF4-FFF2-40B4-BE49-F238E27FC236}">
-                <a16:creationId xmlns:a16="http://schemas.microsoft.com/office/drawing/2014/main" id="{40773769-9B0F-4FAA-89D5-BDEA6721BE9B}"/>
-              </a:ext>
-            </a:extLst>
-          </p:cNvPr>
-          <p:cNvSpPr>
-            <a:spLocks noGrp="1"/>
-          </p:cNvSpPr>
-          <p:nvPr>
-            <p:ph idx="1"/>
-          </p:nvPr>
-        </p:nvSpPr>
-        <p:spPr>
-          <a:xfrm>
-            <a:off x="838200" y="1825625"/>
-            <a:ext cx="10515600" cy="505199"/>
-          </a:xfrm>
-        </p:spPr>
-        <p:txBody>
-          <a:bodyPr/>
-          <a:lstStyle/>
-          <a:p>
-            <a:r>
-              <a:rPr lang="ko-KR" altLang="en-US">
-                <a:latin typeface="D2Coding" panose="020B0609020101020101" pitchFamily="49" charset="-127"/>
-                <a:ea typeface="D2Coding" panose="020B0609020101020101" pitchFamily="49" charset="-127"/>
-              </a:rPr>
-              <a:t>다음은 의도와는 다른 결과를 만듦</a:t>
-            </a:r>
-          </a:p>
-        </p:txBody>
-      </p:sp>
       <p:pic>
         <p:nvPicPr>
-          <p:cNvPr id="4" name="그림 3">
-            <a:extLst>
-              <a:ext uri="{FF2B5EF4-FFF2-40B4-BE49-F238E27FC236}">
-                <a16:creationId xmlns:a16="http://schemas.microsoft.com/office/drawing/2014/main" id="{7DD53509-3BEB-4AB7-A773-EF53AFA16A8F}"/>
+          <p:cNvPr id="10" name="그림 9">
+            <a:extLst>
+              <a:ext uri="{FF2B5EF4-FFF2-40B4-BE49-F238E27FC236}">
+                <a16:creationId xmlns:a16="http://schemas.microsoft.com/office/drawing/2014/main" id="{6476BCFB-B36E-4DCA-8396-DE831392E4A6}"/>
               </a:ext>
             </a:extLst>
           </p:cNvPr>
@@ -13408,44 +13379,81 @@
         </p:blipFill>
         <p:spPr>
           <a:xfrm>
-            <a:off x="999107" y="2400781"/>
-            <a:ext cx="5329976" cy="3734082"/>
+            <a:off x="6624911" y="3356886"/>
+            <a:ext cx="4978510" cy="1636455"/>
           </a:xfrm>
           <a:prstGeom prst="rect">
             <a:avLst/>
           </a:prstGeom>
         </p:spPr>
       </p:pic>
-      <p:pic>
-        <p:nvPicPr>
-          <p:cNvPr id="5" name="그림 4">
-            <a:extLst>
-              <a:ext uri="{FF2B5EF4-FFF2-40B4-BE49-F238E27FC236}">
-                <a16:creationId xmlns:a16="http://schemas.microsoft.com/office/drawing/2014/main" id="{6A575274-9535-4B32-95FD-E7D583D68CD7}"/>
-              </a:ext>
-            </a:extLst>
-          </p:cNvPr>
-          <p:cNvPicPr>
-            <a:picLocks noChangeAspect="1"/>
-          </p:cNvPicPr>
-          <p:nvPr/>
-        </p:nvPicPr>
-        <p:blipFill>
-          <a:blip r:embed="rId3"/>
-          <a:stretch>
-            <a:fillRect/>
-          </a:stretch>
-        </p:blipFill>
+      <p:sp>
+        <p:nvSpPr>
+          <p:cNvPr id="2" name="제목 1">
+            <a:extLst>
+              <a:ext uri="{FF2B5EF4-FFF2-40B4-BE49-F238E27FC236}">
+                <a16:creationId xmlns:a16="http://schemas.microsoft.com/office/drawing/2014/main" id="{624190A9-6763-4236-8BAA-79264A04BB27}"/>
+              </a:ext>
+            </a:extLst>
+          </p:cNvPr>
+          <p:cNvSpPr>
+            <a:spLocks noGrp="1"/>
+          </p:cNvSpPr>
+          <p:nvPr>
+            <p:ph type="title"/>
+          </p:nvPr>
+        </p:nvSpPr>
+        <p:spPr/>
+        <p:txBody>
+          <a:bodyPr/>
+          <a:lstStyle/>
+          <a:p>
+            <a:r>
+              <a:rPr lang="ko-KR" altLang="en-US">
+                <a:latin typeface="D2Coding" panose="020B0609020101020101" pitchFamily="49" charset="-127"/>
+                <a:ea typeface="D2Coding" panose="020B0609020101020101" pitchFamily="49" charset="-127"/>
+              </a:rPr>
+              <a:t>객체의 프로퍼티 추가</a:t>
+            </a:r>
+          </a:p>
+        </p:txBody>
+      </p:sp>
+      <p:sp>
+        <p:nvSpPr>
+          <p:cNvPr id="3" name="내용 개체 틀 2">
+            <a:extLst>
+              <a:ext uri="{FF2B5EF4-FFF2-40B4-BE49-F238E27FC236}">
+                <a16:creationId xmlns:a16="http://schemas.microsoft.com/office/drawing/2014/main" id="{40773769-9B0F-4FAA-89D5-BDEA6721BE9B}"/>
+              </a:ext>
+            </a:extLst>
+          </p:cNvPr>
+          <p:cNvSpPr>
+            <a:spLocks noGrp="1"/>
+          </p:cNvSpPr>
+          <p:nvPr>
+            <p:ph idx="1"/>
+          </p:nvPr>
+        </p:nvSpPr>
         <p:spPr>
           <a:xfrm>
-            <a:off x="6793011" y="3533634"/>
-            <a:ext cx="4722611" cy="1468375"/>
+            <a:off x="838200" y="1825625"/>
+            <a:ext cx="10515600" cy="505199"/>
           </a:xfrm>
-          <a:prstGeom prst="rect">
-            <a:avLst/>
-          </a:prstGeom>
         </p:spPr>
-      </p:pic>
+        <p:txBody>
+          <a:bodyPr/>
+          <a:lstStyle/>
+          <a:p>
+            <a:r>
+              <a:rPr lang="ko-KR" altLang="en-US">
+                <a:latin typeface="D2Coding" panose="020B0609020101020101" pitchFamily="49" charset="-127"/>
+                <a:ea typeface="D2Coding" panose="020B0609020101020101" pitchFamily="49" charset="-127"/>
+              </a:rPr>
+              <a:t>다음은 의도와는 다른 결과를 만듦</a:t>
+            </a:r>
+          </a:p>
+        </p:txBody>
+      </p:sp>
       <p:sp>
         <p:nvSpPr>
           <p:cNvPr id="6" name="직사각형 5">
@@ -13460,8 +13468,8 @@
         </p:nvSpPr>
         <p:spPr>
           <a:xfrm>
-            <a:off x="6956612" y="4482353"/>
-            <a:ext cx="2286000" cy="277906"/>
+            <a:off x="6624911" y="4382814"/>
+            <a:ext cx="2471792" cy="441433"/>
           </a:xfrm>
           <a:prstGeom prst="rect">
             <a:avLst/>
@@ -13628,6 +13636,36 @@
           </a:p>
         </p:txBody>
       </p:sp>
+      <p:pic>
+        <p:nvPicPr>
+          <p:cNvPr id="12" name="그림 11">
+            <a:extLst>
+              <a:ext uri="{FF2B5EF4-FFF2-40B4-BE49-F238E27FC236}">
+                <a16:creationId xmlns:a16="http://schemas.microsoft.com/office/drawing/2014/main" id="{5ECDF0E8-FFF1-4F79-BF08-5DC48F141F97}"/>
+              </a:ext>
+            </a:extLst>
+          </p:cNvPr>
+          <p:cNvPicPr>
+            <a:picLocks noChangeAspect="1"/>
+          </p:cNvPicPr>
+          <p:nvPr/>
+        </p:nvPicPr>
+        <p:blipFill>
+          <a:blip r:embed="rId3"/>
+          <a:stretch>
+            <a:fillRect/>
+          </a:stretch>
+        </p:blipFill>
+        <p:spPr>
+          <a:xfrm>
+            <a:off x="999107" y="2465761"/>
+            <a:ext cx="5096893" cy="3719955"/>
+          </a:xfrm>
+          <a:prstGeom prst="rect">
+            <a:avLst/>
+          </a:prstGeom>
+        </p:spPr>
+      </p:pic>
     </p:spTree>
     <p:extLst>
       <p:ext uri="{BB962C8B-B14F-4D97-AF65-F5344CB8AC3E}">
@@ -13658,79 +13696,12 @@
           <a:chExt cx="0" cy="0"/>
         </a:xfrm>
       </p:grpSpPr>
-      <p:sp>
-        <p:nvSpPr>
-          <p:cNvPr id="2" name="제목 1">
-            <a:extLst>
-              <a:ext uri="{FF2B5EF4-FFF2-40B4-BE49-F238E27FC236}">
-                <a16:creationId xmlns:a16="http://schemas.microsoft.com/office/drawing/2014/main" id="{09435446-EEEE-4784-B41B-0571668D6DBC}"/>
-              </a:ext>
-            </a:extLst>
-          </p:cNvPr>
-          <p:cNvSpPr>
-            <a:spLocks noGrp="1"/>
-          </p:cNvSpPr>
-          <p:nvPr>
-            <p:ph type="title"/>
-          </p:nvPr>
-        </p:nvSpPr>
-        <p:spPr/>
-        <p:txBody>
-          <a:bodyPr/>
-          <a:lstStyle/>
-          <a:p>
-            <a:r>
-              <a:rPr lang="ko-KR" altLang="en-US">
-                <a:latin typeface="D2Coding" panose="020B0609020101020101" pitchFamily="49" charset="-127"/>
-                <a:ea typeface="D2Coding" panose="020B0609020101020101" pitchFamily="49" charset="-127"/>
-              </a:rPr>
-              <a:t>객체의 프로퍼티 추가</a:t>
-            </a:r>
-          </a:p>
-        </p:txBody>
-      </p:sp>
-      <p:sp>
-        <p:nvSpPr>
-          <p:cNvPr id="3" name="내용 개체 틀 2">
-            <a:extLst>
-              <a:ext uri="{FF2B5EF4-FFF2-40B4-BE49-F238E27FC236}">
-                <a16:creationId xmlns:a16="http://schemas.microsoft.com/office/drawing/2014/main" id="{5CCA2680-DE34-4736-9065-A7A5AE87BAD2}"/>
-              </a:ext>
-            </a:extLst>
-          </p:cNvPr>
-          <p:cNvSpPr>
-            <a:spLocks noGrp="1"/>
-          </p:cNvSpPr>
-          <p:nvPr>
-            <p:ph idx="1"/>
-          </p:nvPr>
-        </p:nvSpPr>
-        <p:spPr>
-          <a:xfrm>
-            <a:off x="838200" y="1825625"/>
-            <a:ext cx="10515600" cy="505199"/>
-          </a:xfrm>
-        </p:spPr>
-        <p:txBody>
-          <a:bodyPr/>
-          <a:lstStyle/>
-          <a:p>
-            <a:r>
-              <a:rPr lang="ko-KR" altLang="en-US">
-                <a:latin typeface="D2Coding" panose="020B0609020101020101" pitchFamily="49" charset="-127"/>
-                <a:ea typeface="D2Coding" panose="020B0609020101020101" pitchFamily="49" charset="-127"/>
-              </a:rPr>
-              <a:t>대괄호로 추가하면 문제 해결</a:t>
-            </a:r>
-          </a:p>
-        </p:txBody>
-      </p:sp>
       <p:pic>
         <p:nvPicPr>
-          <p:cNvPr id="5" name="그림 4">
-            <a:extLst>
-              <a:ext uri="{FF2B5EF4-FFF2-40B4-BE49-F238E27FC236}">
-                <a16:creationId xmlns:a16="http://schemas.microsoft.com/office/drawing/2014/main" id="{C9A90013-8C71-4D3D-91FA-C9E29EB79287}"/>
+          <p:cNvPr id="9" name="그림 8">
+            <a:extLst>
+              <a:ext uri="{FF2B5EF4-FFF2-40B4-BE49-F238E27FC236}">
+                <a16:creationId xmlns:a16="http://schemas.microsoft.com/office/drawing/2014/main" id="{E300CC8D-6D1C-4BA3-9C8D-F4C9CF4B22CE}"/>
               </a:ext>
             </a:extLst>
           </p:cNvPr>
@@ -13747,44 +13718,81 @@
         </p:blipFill>
         <p:spPr>
           <a:xfrm>
-            <a:off x="909918" y="2465761"/>
-            <a:ext cx="5078506" cy="3526537"/>
+            <a:off x="5833240" y="3216358"/>
+            <a:ext cx="6121771" cy="2062070"/>
           </a:xfrm>
           <a:prstGeom prst="rect">
             <a:avLst/>
           </a:prstGeom>
         </p:spPr>
       </p:pic>
-      <p:pic>
-        <p:nvPicPr>
-          <p:cNvPr id="6" name="그림 5">
-            <a:extLst>
-              <a:ext uri="{FF2B5EF4-FFF2-40B4-BE49-F238E27FC236}">
-                <a16:creationId xmlns:a16="http://schemas.microsoft.com/office/drawing/2014/main" id="{4541ADCD-8B5C-4C51-BD25-AD82761E7F8C}"/>
-              </a:ext>
-            </a:extLst>
-          </p:cNvPr>
-          <p:cNvPicPr>
-            <a:picLocks noChangeAspect="1"/>
-          </p:cNvPicPr>
-          <p:nvPr/>
-        </p:nvPicPr>
-        <p:blipFill>
-          <a:blip r:embed="rId3"/>
-          <a:stretch>
-            <a:fillRect/>
-          </a:stretch>
-        </p:blipFill>
+      <p:sp>
+        <p:nvSpPr>
+          <p:cNvPr id="2" name="제목 1">
+            <a:extLst>
+              <a:ext uri="{FF2B5EF4-FFF2-40B4-BE49-F238E27FC236}">
+                <a16:creationId xmlns:a16="http://schemas.microsoft.com/office/drawing/2014/main" id="{09435446-EEEE-4784-B41B-0571668D6DBC}"/>
+              </a:ext>
+            </a:extLst>
+          </p:cNvPr>
+          <p:cNvSpPr>
+            <a:spLocks noGrp="1"/>
+          </p:cNvSpPr>
+          <p:nvPr>
+            <p:ph type="title"/>
+          </p:nvPr>
+        </p:nvSpPr>
+        <p:spPr/>
+        <p:txBody>
+          <a:bodyPr/>
+          <a:lstStyle/>
+          <a:p>
+            <a:r>
+              <a:rPr lang="ko-KR" altLang="en-US">
+                <a:latin typeface="D2Coding" panose="020B0609020101020101" pitchFamily="49" charset="-127"/>
+                <a:ea typeface="D2Coding" panose="020B0609020101020101" pitchFamily="49" charset="-127"/>
+              </a:rPr>
+              <a:t>객체의 프로퍼티 추가</a:t>
+            </a:r>
+          </a:p>
+        </p:txBody>
+      </p:sp>
+      <p:sp>
+        <p:nvSpPr>
+          <p:cNvPr id="3" name="내용 개체 틀 2">
+            <a:extLst>
+              <a:ext uri="{FF2B5EF4-FFF2-40B4-BE49-F238E27FC236}">
+                <a16:creationId xmlns:a16="http://schemas.microsoft.com/office/drawing/2014/main" id="{5CCA2680-DE34-4736-9065-A7A5AE87BAD2}"/>
+              </a:ext>
+            </a:extLst>
+          </p:cNvPr>
+          <p:cNvSpPr>
+            <a:spLocks noGrp="1"/>
+          </p:cNvSpPr>
+          <p:nvPr>
+            <p:ph idx="1"/>
+          </p:nvPr>
+        </p:nvSpPr>
         <p:spPr>
           <a:xfrm>
-            <a:off x="6203578" y="3309738"/>
-            <a:ext cx="5496692" cy="1838582"/>
+            <a:off x="838200" y="1825625"/>
+            <a:ext cx="10515600" cy="505199"/>
           </a:xfrm>
-          <a:prstGeom prst="rect">
-            <a:avLst/>
-          </a:prstGeom>
         </p:spPr>
-      </p:pic>
+        <p:txBody>
+          <a:bodyPr/>
+          <a:lstStyle/>
+          <a:p>
+            <a:r>
+              <a:rPr lang="ko-KR" altLang="en-US">
+                <a:latin typeface="D2Coding" panose="020B0609020101020101" pitchFamily="49" charset="-127"/>
+                <a:ea typeface="D2Coding" panose="020B0609020101020101" pitchFamily="49" charset="-127"/>
+              </a:rPr>
+              <a:t>대괄호로 추가하면 문제 해결</a:t>
+            </a:r>
+          </a:p>
+        </p:txBody>
+      </p:sp>
       <p:sp>
         <p:nvSpPr>
           <p:cNvPr id="7" name="직사각형 6">
@@ -13799,8 +13807,8 @@
         </p:nvSpPr>
         <p:spPr>
           <a:xfrm>
-            <a:off x="6203578" y="3309737"/>
-            <a:ext cx="2985246" cy="312003"/>
+            <a:off x="5833239" y="3212029"/>
+            <a:ext cx="3358057" cy="350978"/>
           </a:xfrm>
           <a:prstGeom prst="rect">
             <a:avLst/>
@@ -13889,6 +13897,36 @@
           </a:p>
         </p:txBody>
       </p:sp>
+      <p:pic>
+        <p:nvPicPr>
+          <p:cNvPr id="4" name="그림 3">
+            <a:extLst>
+              <a:ext uri="{FF2B5EF4-FFF2-40B4-BE49-F238E27FC236}">
+                <a16:creationId xmlns:a16="http://schemas.microsoft.com/office/drawing/2014/main" id="{376A6E6F-554E-41B8-A56D-0A2C7B752EF8}"/>
+              </a:ext>
+            </a:extLst>
+          </p:cNvPr>
+          <p:cNvPicPr>
+            <a:picLocks noChangeAspect="1"/>
+          </p:cNvPicPr>
+          <p:nvPr/>
+        </p:nvPicPr>
+        <p:blipFill>
+          <a:blip r:embed="rId3"/>
+          <a:stretch>
+            <a:fillRect/>
+          </a:stretch>
+        </p:blipFill>
+        <p:spPr>
+          <a:xfrm>
+            <a:off x="765761" y="2437760"/>
+            <a:ext cx="4846763" cy="3619267"/>
+          </a:xfrm>
+          <a:prstGeom prst="rect">
+            <a:avLst/>
+          </a:prstGeom>
+        </p:spPr>
+      </p:pic>
     </p:spTree>
     <p:extLst>
       <p:ext uri="{BB962C8B-B14F-4D97-AF65-F5344CB8AC3E}">
@@ -14597,12 +14635,116 @@
           </a:p>
         </p:txBody>
       </p:sp>
+      <p:sp>
+        <p:nvSpPr>
+          <p:cNvPr id="5" name="TextBox 4">
+            <a:extLst>
+              <a:ext uri="{FF2B5EF4-FFF2-40B4-BE49-F238E27FC236}">
+                <a16:creationId xmlns:a16="http://schemas.microsoft.com/office/drawing/2014/main" id="{11172FB2-ED94-496B-ADA4-9BBC71D41DC9}"/>
+              </a:ext>
+            </a:extLst>
+          </p:cNvPr>
+          <p:cNvSpPr txBox="1"/>
+          <p:nvPr/>
+        </p:nvSpPr>
+        <p:spPr>
+          <a:xfrm>
+            <a:off x="6138226" y="3997535"/>
+            <a:ext cx="5032147" cy="923330"/>
+          </a:xfrm>
+          <a:prstGeom prst="rect">
+            <a:avLst/>
+          </a:prstGeom>
+          <a:noFill/>
+        </p:spPr>
+        <p:txBody>
+          <a:bodyPr wrap="none" rtlCol="0">
+            <a:spAutoFit/>
+          </a:bodyPr>
+          <a:lstStyle/>
+          <a:p>
+            <a:r>
+              <a:rPr lang="en-US" altLang="ko-KR">
+                <a:latin typeface="D2Coding" panose="020B0609020101020101" pitchFamily="49" charset="-127"/>
+                <a:ea typeface="D2Coding" panose="020B0609020101020101" pitchFamily="49" charset="-127"/>
+              </a:rPr>
+              <a:t>func2()</a:t>
+            </a:r>
+            <a:r>
+              <a:rPr lang="ko-KR" altLang="en-US">
+                <a:latin typeface="D2Coding" panose="020B0609020101020101" pitchFamily="49" charset="-127"/>
+                <a:ea typeface="D2Coding" panose="020B0609020101020101" pitchFamily="49" charset="-127"/>
+              </a:rPr>
+              <a:t> 가 나중에 선언되었음에도 사용 가능</a:t>
+            </a:r>
+            <a:endParaRPr lang="en-US" altLang="ko-KR">
+              <a:latin typeface="D2Coding" panose="020B0609020101020101" pitchFamily="49" charset="-127"/>
+              <a:ea typeface="D2Coding" panose="020B0609020101020101" pitchFamily="49" charset="-127"/>
+            </a:endParaRPr>
+          </a:p>
+          <a:p>
+            <a:endParaRPr lang="en-US" altLang="ko-KR">
+              <a:latin typeface="D2Coding" panose="020B0609020101020101" pitchFamily="49" charset="-127"/>
+              <a:ea typeface="D2Coding" panose="020B0609020101020101" pitchFamily="49" charset="-127"/>
+            </a:endParaRPr>
+          </a:p>
+          <a:p>
+            <a:r>
+              <a:rPr lang="ko-KR" altLang="en-US">
+                <a:solidFill>
+                  <a:srgbClr val="FF0000"/>
+                </a:solidFill>
+                <a:latin typeface="D2Coding" panose="020B0609020101020101" pitchFamily="49" charset="-127"/>
+                <a:ea typeface="D2Coding" panose="020B0609020101020101" pitchFamily="49" charset="-127"/>
+              </a:rPr>
+              <a:t>그러나</a:t>
+            </a:r>
+            <a:r>
+              <a:rPr lang="en-US" altLang="ko-KR">
+                <a:solidFill>
+                  <a:srgbClr val="FF0000"/>
+                </a:solidFill>
+                <a:latin typeface="D2Coding" panose="020B0609020101020101" pitchFamily="49" charset="-127"/>
+                <a:ea typeface="D2Coding" panose="020B0609020101020101" pitchFamily="49" charset="-127"/>
+              </a:rPr>
+              <a:t>, </a:t>
+            </a:r>
+            <a:r>
+              <a:rPr lang="ko-KR" altLang="en-US">
+                <a:solidFill>
+                  <a:srgbClr val="FF0000"/>
+                </a:solidFill>
+                <a:latin typeface="D2Coding" panose="020B0609020101020101" pitchFamily="49" charset="-127"/>
+                <a:ea typeface="D2Coding" panose="020B0609020101020101" pitchFamily="49" charset="-127"/>
+              </a:rPr>
+              <a:t>그런 식으로 쓰지 마시오</a:t>
+            </a:r>
+            <a:r>
+              <a:rPr lang="en-US" altLang="ko-KR">
+                <a:solidFill>
+                  <a:srgbClr val="FF0000"/>
+                </a:solidFill>
+                <a:latin typeface="D2Coding" panose="020B0609020101020101" pitchFamily="49" charset="-127"/>
+                <a:ea typeface="D2Coding" panose="020B0609020101020101" pitchFamily="49" charset="-127"/>
+              </a:rPr>
+              <a:t>...</a:t>
+            </a:r>
+            <a:endParaRPr lang="ko-KR" altLang="en-US">
+              <a:solidFill>
+                <a:srgbClr val="FF0000"/>
+              </a:solidFill>
+              <a:latin typeface="D2Coding" panose="020B0609020101020101" pitchFamily="49" charset="-127"/>
+              <a:ea typeface="D2Coding" panose="020B0609020101020101" pitchFamily="49" charset="-127"/>
+            </a:endParaRPr>
+          </a:p>
+        </p:txBody>
+      </p:sp>
       <p:pic>
         <p:nvPicPr>
-          <p:cNvPr id="4" name="그림 3">
-            <a:extLst>
-              <a:ext uri="{FF2B5EF4-FFF2-40B4-BE49-F238E27FC236}">
-                <a16:creationId xmlns:a16="http://schemas.microsoft.com/office/drawing/2014/main" id="{245E77C9-AE55-41E2-ACBC-5406118785D8}"/>
+          <p:cNvPr id="6" name="그림 5">
+            <a:extLst>
+              <a:ext uri="{FF2B5EF4-FFF2-40B4-BE49-F238E27FC236}">
+                <a16:creationId xmlns:a16="http://schemas.microsoft.com/office/drawing/2014/main" id="{CFEABE72-2B8A-404D-8800-52CF32CDADD1}"/>
               </a:ext>
             </a:extLst>
           </p:cNvPr>
@@ -14619,118 +14761,14 @@
         </p:blipFill>
         <p:spPr>
           <a:xfrm>
-            <a:off x="1018580" y="1690688"/>
-            <a:ext cx="4525006" cy="4582164"/>
+            <a:off x="838201" y="1700965"/>
+            <a:ext cx="4916732" cy="4945999"/>
           </a:xfrm>
           <a:prstGeom prst="rect">
             <a:avLst/>
           </a:prstGeom>
         </p:spPr>
       </p:pic>
-      <p:sp>
-        <p:nvSpPr>
-          <p:cNvPr id="5" name="TextBox 4">
-            <a:extLst>
-              <a:ext uri="{FF2B5EF4-FFF2-40B4-BE49-F238E27FC236}">
-                <a16:creationId xmlns:a16="http://schemas.microsoft.com/office/drawing/2014/main" id="{11172FB2-ED94-496B-ADA4-9BBC71D41DC9}"/>
-              </a:ext>
-            </a:extLst>
-          </p:cNvPr>
-          <p:cNvSpPr txBox="1"/>
-          <p:nvPr/>
-        </p:nvSpPr>
-        <p:spPr>
-          <a:xfrm>
-            <a:off x="5723966" y="3981770"/>
-            <a:ext cx="4801314" cy="923330"/>
-          </a:xfrm>
-          <a:prstGeom prst="rect">
-            <a:avLst/>
-          </a:prstGeom>
-          <a:noFill/>
-        </p:spPr>
-        <p:txBody>
-          <a:bodyPr wrap="none" rtlCol="0">
-            <a:spAutoFit/>
-          </a:bodyPr>
-          <a:lstStyle/>
-          <a:p>
-            <a:r>
-              <a:rPr lang="en-US" altLang="ko-KR">
-                <a:latin typeface="D2Coding" panose="020B0609020101020101" pitchFamily="49" charset="-127"/>
-                <a:ea typeface="D2Coding" panose="020B0609020101020101" pitchFamily="49" charset="-127"/>
-              </a:rPr>
-              <a:t>bbq()</a:t>
-            </a:r>
-            <a:r>
-              <a:rPr lang="ko-KR" altLang="en-US">
-                <a:latin typeface="D2Coding" panose="020B0609020101020101" pitchFamily="49" charset="-127"/>
-                <a:ea typeface="D2Coding" panose="020B0609020101020101" pitchFamily="49" charset="-127"/>
-              </a:rPr>
-              <a:t> 가 나중에 선언되었음에도 사용 가능</a:t>
-            </a:r>
-            <a:endParaRPr lang="en-US" altLang="ko-KR">
-              <a:latin typeface="D2Coding" panose="020B0609020101020101" pitchFamily="49" charset="-127"/>
-              <a:ea typeface="D2Coding" panose="020B0609020101020101" pitchFamily="49" charset="-127"/>
-            </a:endParaRPr>
-          </a:p>
-          <a:p>
-            <a:endParaRPr lang="en-US" altLang="ko-KR">
-              <a:latin typeface="D2Coding" panose="020B0609020101020101" pitchFamily="49" charset="-127"/>
-              <a:ea typeface="D2Coding" panose="020B0609020101020101" pitchFamily="49" charset="-127"/>
-            </a:endParaRPr>
-          </a:p>
-          <a:p>
-            <a:r>
-              <a:rPr lang="ko-KR" altLang="en-US">
-                <a:solidFill>
-                  <a:srgbClr val="FF0000"/>
-                </a:solidFill>
-                <a:latin typeface="D2Coding" panose="020B0609020101020101" pitchFamily="49" charset="-127"/>
-                <a:ea typeface="D2Coding" panose="020B0609020101020101" pitchFamily="49" charset="-127"/>
-              </a:rPr>
-              <a:t>그러나</a:t>
-            </a:r>
-            <a:r>
-              <a:rPr lang="en-US" altLang="ko-KR">
-                <a:solidFill>
-                  <a:srgbClr val="FF0000"/>
-                </a:solidFill>
-                <a:latin typeface="D2Coding" panose="020B0609020101020101" pitchFamily="49" charset="-127"/>
-                <a:ea typeface="D2Coding" panose="020B0609020101020101" pitchFamily="49" charset="-127"/>
-              </a:rPr>
-              <a:t>, </a:t>
-            </a:r>
-            <a:r>
-              <a:rPr lang="ko-KR" altLang="en-US">
-                <a:solidFill>
-                  <a:srgbClr val="FF0000"/>
-                </a:solidFill>
-                <a:latin typeface="D2Coding" panose="020B0609020101020101" pitchFamily="49" charset="-127"/>
-                <a:ea typeface="D2Coding" panose="020B0609020101020101" pitchFamily="49" charset="-127"/>
-              </a:rPr>
-              <a:t>그런 식으로 쓰지 마시오</a:t>
-            </a:r>
-            <a:r>
-              <a:rPr lang="en-US" altLang="ko-KR">
-                <a:solidFill>
-                  <a:srgbClr val="FF0000"/>
-                </a:solidFill>
-                <a:latin typeface="D2Coding" panose="020B0609020101020101" pitchFamily="49" charset="-127"/>
-                <a:ea typeface="D2Coding" panose="020B0609020101020101" pitchFamily="49" charset="-127"/>
-              </a:rPr>
-              <a:t>...</a:t>
-            </a:r>
-            <a:endParaRPr lang="ko-KR" altLang="en-US">
-              <a:solidFill>
-                <a:srgbClr val="FF0000"/>
-              </a:solidFill>
-              <a:latin typeface="D2Coding" panose="020B0609020101020101" pitchFamily="49" charset="-127"/>
-              <a:ea typeface="D2Coding" panose="020B0609020101020101" pitchFamily="49" charset="-127"/>
-            </a:endParaRPr>
-          </a:p>
-        </p:txBody>
-      </p:sp>
     </p:spTree>
     <p:extLst>
       <p:ext uri="{BB962C8B-B14F-4D97-AF65-F5344CB8AC3E}">
